--- a/Filament material system.pptx
+++ b/Filament material system.pptx
@@ -6865,13 +6865,8 @@
           <a:p>
             <a:r>
               <a:rPr lang="en-US" altLang="zh-CN" dirty="0"/>
-              <a:t>And with hardware resource created, ready </a:t>
-            </a:r>
-            <a:r>
-              <a:rPr lang="en-US" altLang="zh-CN"/>
-              <a:t>for rendering</a:t>
-            </a:r>
-            <a:endParaRPr lang="en-US" altLang="zh-CN" dirty="0"/>
+              <a:t>And with hardware resource created, ready for rendering</a:t>
+            </a:r>
           </a:p>
         </p:txBody>
       </p:sp>
@@ -11243,7 +11238,7 @@
         <p:spPr>
           <a:xfrm>
             <a:off x="1120000" y="1825625"/>
-            <a:ext cx="10011826" cy="3476901"/>
+            <a:ext cx="10011826" cy="2949575"/>
           </a:xfrm>
         </p:spPr>
         <p:txBody>
@@ -11254,7 +11249,7 @@
           <a:p>
             <a:r>
               <a:rPr lang="en-US" altLang="zh-CN" dirty="0"/>
-              <a:t>4.2.10 Vertex and attributes: requires</a:t>
+              <a:t>4.2.11 Vertex and attributes: requires</a:t>
             </a:r>
           </a:p>
           <a:p>
@@ -11274,7 +11269,7 @@
           <a:p>
             <a:r>
               <a:rPr lang="en-US" altLang="zh-CN" dirty="0"/>
-              <a:t>4.2.11 Vertex and attributes: variables</a:t>
+              <a:t>4.2.12 Vertex and attributes: variables</a:t>
             </a:r>
           </a:p>
           <a:p>
@@ -11294,7 +11289,7 @@
           <a:p>
             <a:r>
               <a:rPr lang="en-US" altLang="zh-CN" dirty="0"/>
-              <a:t>4.2.12 Vertex and attributes:  </a:t>
+              <a:t>4.2.13 Vertex and attributes:  </a:t>
             </a:r>
             <a:r>
               <a:rPr lang="en-US" altLang="zh-CN" dirty="0" err="1"/>
@@ -11313,15 +11308,8 @@
           <a:p>
             <a:r>
               <a:rPr lang="en-US" altLang="zh-CN" dirty="0"/>
-              <a:t>4.2.13 Vertex and attributes:: interpolation   // varying interpolation flat/smooth</a:t>
-            </a:r>
-          </a:p>
-          <a:p>
-            <a:r>
-              <a:rPr lang="en-US" altLang="zh-CN" dirty="0"/>
-              <a:t>4.2.14 Vertex and attributes: : constants       // shader constant variable define</a:t>
-            </a:r>
-            <a:endParaRPr lang="zh-CN" altLang="en-US" dirty="0"/>
+              <a:t>4.2.14 Vertex and attributes: interpolation   // varying interpolation flat/smooth</a:t>
+            </a:r>
           </a:p>
         </p:txBody>
       </p:sp>

--- a/Filament material system.pptx
+++ b/Filament material system.pptx
@@ -5,7 +5,7 @@
     <p:sldMasterId id="2147483648" r:id="rId1"/>
   </p:sldMasterIdLst>
   <p:notesMasterIdLst>
-    <p:notesMasterId r:id="rId31"/>
+    <p:notesMasterId r:id="rId33"/>
   </p:notesMasterIdLst>
   <p:sldIdLst>
     <p:sldId id="256" r:id="rId2"/>
@@ -31,12 +31,14 @@
     <p:sldId id="281" r:id="rId22"/>
     <p:sldId id="282" r:id="rId23"/>
     <p:sldId id="274" r:id="rId24"/>
-    <p:sldId id="273" r:id="rId25"/>
-    <p:sldId id="285" r:id="rId26"/>
-    <p:sldId id="288" r:id="rId27"/>
-    <p:sldId id="289" r:id="rId28"/>
-    <p:sldId id="258" r:id="rId29"/>
-    <p:sldId id="290" r:id="rId30"/>
+    <p:sldId id="291" r:id="rId25"/>
+    <p:sldId id="292" r:id="rId26"/>
+    <p:sldId id="273" r:id="rId27"/>
+    <p:sldId id="285" r:id="rId28"/>
+    <p:sldId id="288" r:id="rId29"/>
+    <p:sldId id="289" r:id="rId30"/>
+    <p:sldId id="258" r:id="rId31"/>
+    <p:sldId id="290" r:id="rId32"/>
   </p:sldIdLst>
   <p:sldSz cx="12192000" cy="6858000"/>
   <p:notesSz cx="6858000" cy="9144000"/>
@@ -12368,12 +12370,9 @@
           </a:p>
           <a:p>
             <a:r>
-              <a:rPr lang="en-US" altLang="zh-CN" dirty="0" err="1"/>
-              <a:t>FilameshSdfsd</a:t>
-            </a:r>
-            <a:endParaRPr lang="en-US" altLang="zh-CN" dirty="0"/>
-          </a:p>
-          <a:p>
+              <a:rPr lang="en-US" altLang="zh-CN"/>
+              <a:t>Filamesh</a:t>
+            </a:r>
             <a:endParaRPr lang="zh-CN" altLang="en-US" dirty="0"/>
           </a:p>
         </p:txBody>
@@ -12413,7 +12412,7 @@
           <p:cNvPr id="2" name="Title 1">
             <a:extLst>
               <a:ext uri="{FF2B5EF4-FFF2-40B4-BE49-F238E27FC236}">
-                <a16:creationId xmlns:a16="http://schemas.microsoft.com/office/drawing/2014/main" id="{05CFA11F-C957-7439-3236-16902436D23B}"/>
+                <a16:creationId xmlns:a16="http://schemas.microsoft.com/office/drawing/2014/main" id="{B032A577-B79A-26D5-E3AF-A816F58F892B}"/>
               </a:ext>
             </a:extLst>
           </p:cNvPr>
@@ -12430,12 +12429,12 @@
           <a:lstStyle/>
           <a:p>
             <a:r>
+              <a:rPr lang="en-US" altLang="zh-CN" dirty="0"/>
+              <a:t>shader generation by </a:t>
+            </a:r>
+            <a:r>
               <a:rPr lang="en-US" altLang="zh-CN" dirty="0" err="1"/>
-              <a:t>resgen</a:t>
-            </a:r>
-            <a:r>
-              <a:rPr lang="en-US" altLang="zh-CN" dirty="0"/>
-              <a:t> tools</a:t>
+              <a:t>matc</a:t>
             </a:r>
             <a:endParaRPr lang="zh-CN" altLang="en-US" dirty="0"/>
           </a:p>
@@ -12446,7 +12445,7 @@
           <p:cNvPr id="3" name="Content Placeholder 2">
             <a:extLst>
               <a:ext uri="{FF2B5EF4-FFF2-40B4-BE49-F238E27FC236}">
-                <a16:creationId xmlns:a16="http://schemas.microsoft.com/office/drawing/2014/main" id="{066DA7B1-01F2-55EA-236E-57A9007B7D79}"/>
+                <a16:creationId xmlns:a16="http://schemas.microsoft.com/office/drawing/2014/main" id="{7C228AF0-8841-1655-0E79-975149599D6D}"/>
               </a:ext>
             </a:extLst>
           </p:cNvPr>
@@ -12459,58 +12458,182 @@
         </p:nvSpPr>
         <p:spPr/>
         <p:txBody>
-          <a:bodyPr/>
-          <a:lstStyle/>
-          <a:p>
-            <a:r>
-              <a:rPr lang="en-US" altLang="zh-CN" dirty="0"/>
-              <a:t>Combine many input file to one binary file</a:t>
-            </a:r>
-          </a:p>
-          <a:p>
-            <a:r>
-              <a:rPr lang="en-US" altLang="zh-CN" dirty="0"/>
-              <a:t>.bin file contain the content</a:t>
-            </a:r>
-          </a:p>
-          <a:p>
-            <a:r>
-              <a:rPr lang="en-US" altLang="zh-CN" dirty="0"/>
-              <a:t>.h file to declare the {offset, size} of each input file in bin file</a:t>
-            </a:r>
-          </a:p>
-          <a:p>
-            <a:r>
-              <a:rPr lang="en-US" altLang="zh-CN" dirty="0"/>
-              <a:t>.S file is assemble text file define the {offset, size} variables</a:t>
-            </a:r>
-          </a:p>
-          <a:p>
-            <a:r>
-              <a:rPr lang="en-US" altLang="zh-CN" dirty="0"/>
-              <a:t>.</a:t>
+          <a:bodyPr>
+            <a:normAutofit fontScale="55000" lnSpcReduction="20000"/>
+          </a:bodyPr>
+          <a:lstStyle/>
+          <a:p>
+            <a:r>
+              <a:rPr lang="en-US" altLang="zh-CN" dirty="0"/>
+              <a:t>Prolog: define general macro and constant</a:t>
+            </a:r>
+          </a:p>
+          <a:p>
+            <a:r>
+              <a:rPr lang="en-US" altLang="zh-CN" dirty="0"/>
+              <a:t>Constant: define constant variable of mat file</a:t>
+            </a:r>
+          </a:p>
+          <a:p>
+            <a:r>
+              <a:rPr lang="en-US" altLang="zh-CN" dirty="0"/>
+              <a:t>Mat variant macro: VARIANT_HAS_XXX</a:t>
+            </a:r>
+          </a:p>
+          <a:p>
+            <a:r>
+              <a:rPr lang="en-US" altLang="zh-CN" dirty="0"/>
+              <a:t>Mat property macro: MATERIAL_HAS_XXX</a:t>
+            </a:r>
+          </a:p>
+          <a:p>
+            <a:r>
+              <a:rPr lang="en-US" altLang="zh-CN" dirty="0"/>
+              <a:t>Attribute:  attribute define</a:t>
+            </a:r>
+          </a:p>
+          <a:p>
+            <a:r>
+              <a:rPr lang="en-US" altLang="zh-CN" dirty="0"/>
+              <a:t>Common types: lib code piece</a:t>
+            </a:r>
+          </a:p>
+          <a:p>
+            <a:r>
+              <a:rPr lang="en-US" altLang="zh-CN" dirty="0"/>
+              <a:t>Variable: varying define</a:t>
+            </a:r>
+          </a:p>
+          <a:p>
+            <a:r>
+              <a:rPr lang="en-US" altLang="zh-CN" dirty="0"/>
+              <a:t>Output: render target define, only for post process pass</a:t>
+            </a:r>
+          </a:p>
+          <a:p>
+            <a:r>
+              <a:rPr lang="en-US" altLang="zh-CN" dirty="0"/>
+              <a:t>Uniform define,  sampler define</a:t>
+            </a:r>
+          </a:p>
+          <a:p>
+            <a:r>
+              <a:rPr lang="en-US" altLang="zh-CN" dirty="0"/>
+              <a:t>Common: lib code piece</a:t>
+            </a:r>
+          </a:p>
+          <a:p>
+            <a:r>
+              <a:rPr lang="en-US" altLang="zh-CN" dirty="0"/>
+              <a:t>Getter: lib code piece</a:t>
+            </a:r>
+          </a:p>
+          <a:p>
+            <a:r>
+              <a:rPr lang="en-US" altLang="zh-CN" dirty="0"/>
+              <a:t>Mat common, mat paras, mat fog:  lib code piece</a:t>
+            </a:r>
+          </a:p>
+          <a:p>
+            <a:r>
+              <a:rPr lang="en-US" altLang="zh-CN" dirty="0"/>
+              <a:t>Mat user code</a:t>
+            </a:r>
+            <a:r>
+              <a:rPr lang="en-US" altLang="zh-CN" dirty="0">
+                <a:solidFill>
+                  <a:srgbClr val="FFC000"/>
+                </a:solidFill>
+              </a:rPr>
+              <a:t>: user code </a:t>
+            </a:r>
+            <a:r>
+              <a:rPr lang="en-US" altLang="zh-CN" dirty="0"/>
+              <a:t>of material file</a:t>
+            </a:r>
+          </a:p>
+          <a:p>
+            <a:r>
+              <a:rPr lang="en-US" altLang="zh-CN" dirty="0"/>
+              <a:t>Mat shading mode lit/unlit/</a:t>
             </a:r>
             <a:r>
               <a:rPr lang="en-US" altLang="zh-CN" dirty="0" err="1"/>
-              <a:t>apple.S</a:t>
-            </a:r>
-            <a:r>
-              <a:rPr lang="en-US" altLang="zh-CN" dirty="0"/>
-              <a:t> file is apple assemble text file format</a:t>
-            </a:r>
-          </a:p>
-          <a:p>
-            <a:r>
-              <a:rPr lang="en-US" altLang="zh-CN" dirty="0"/>
-              <a:t>.c file is uint8 buffer of file binary content</a:t>
-            </a:r>
+              <a:t>ssr</a:t>
+            </a:r>
+            <a:r>
+              <a:rPr lang="en-US" altLang="zh-CN" dirty="0"/>
+              <a:t>:   code lib of light -&gt; shadow -&gt; </a:t>
+            </a:r>
+            <a:r>
+              <a:rPr lang="en-US" altLang="zh-CN" dirty="0" err="1"/>
+              <a:t>brdf</a:t>
+            </a:r>
+            <a:r>
+              <a:rPr lang="en-US" altLang="zh-CN" dirty="0"/>
+              <a:t> -&gt; shading model code -&gt; </a:t>
+            </a:r>
+            <a:r>
+              <a:rPr lang="en-US" altLang="zh-CN" dirty="0" err="1"/>
+              <a:t>ao</a:t>
+            </a:r>
+            <a:r>
+              <a:rPr lang="en-US" altLang="zh-CN" dirty="0"/>
+              <a:t> -&gt; </a:t>
+            </a:r>
+            <a:r>
+              <a:rPr lang="en-US" altLang="zh-CN" dirty="0" err="1"/>
+              <a:t>ibl</a:t>
+            </a:r>
+            <a:r>
+              <a:rPr lang="en-US" altLang="zh-CN" dirty="0"/>
+              <a:t> -&gt; dirt -&gt; </a:t>
+            </a:r>
+            <a:r>
+              <a:rPr lang="en-US" altLang="zh-CN" dirty="0" err="1"/>
+              <a:t>dyn</a:t>
+            </a:r>
+            <a:r>
+              <a:rPr lang="en-US" altLang="zh-CN" dirty="0"/>
+              <a:t> -&gt; lit</a:t>
+            </a:r>
+          </a:p>
+          <a:p>
+            <a:r>
+              <a:rPr lang="en-US" altLang="zh-CN" dirty="0"/>
+              <a:t>Main: code lib of one </a:t>
+            </a:r>
+            <a:r>
+              <a:rPr lang="en-US" altLang="zh-CN" dirty="0" err="1"/>
+              <a:t>depth_main</a:t>
+            </a:r>
+            <a:r>
+              <a:rPr lang="en-US" altLang="zh-CN" dirty="0"/>
+              <a:t>/</a:t>
+            </a:r>
+            <a:r>
+              <a:rPr lang="en-US" altLang="zh-CN" dirty="0" err="1"/>
+              <a:t>postProcess_main</a:t>
+            </a:r>
+            <a:r>
+              <a:rPr lang="en-US" altLang="zh-CN" dirty="0"/>
+              <a:t>/</a:t>
+            </a:r>
+            <a:r>
+              <a:rPr lang="en-US" altLang="zh-CN" dirty="0" err="1"/>
+              <a:t>cs_main</a:t>
+            </a:r>
+            <a:endParaRPr lang="en-US" altLang="zh-CN" dirty="0"/>
+          </a:p>
+          <a:p>
+            <a:endParaRPr lang="zh-CN" altLang="en-US" dirty="0"/>
           </a:p>
         </p:txBody>
       </p:sp>
     </p:spTree>
     <p:extLst>
       <p:ext uri="{BB962C8B-B14F-4D97-AF65-F5344CB8AC3E}">
-        <p14:creationId xmlns:p14="http://schemas.microsoft.com/office/powerpoint/2010/main" val="3513949728"/>
+        <p14:creationId xmlns:p14="http://schemas.microsoft.com/office/powerpoint/2010/main" val="355827790"/>
       </p:ext>
     </p:extLst>
   </p:cSld>
@@ -12542,7 +12665,7 @@
           <p:cNvPr id="2" name="Title 1">
             <a:extLst>
               <a:ext uri="{FF2B5EF4-FFF2-40B4-BE49-F238E27FC236}">
-                <a16:creationId xmlns:a16="http://schemas.microsoft.com/office/drawing/2014/main" id="{2AB77840-C251-E8B0-B229-CF63F58D339C}"/>
+                <a16:creationId xmlns:a16="http://schemas.microsoft.com/office/drawing/2014/main" id="{84FDD75F-ECBB-0329-A092-1370AFDE2885}"/>
               </a:ext>
             </a:extLst>
           </p:cNvPr>
@@ -12555,14 +12678,12 @@
         </p:nvSpPr>
         <p:spPr/>
         <p:txBody>
-          <a:bodyPr>
-            <a:normAutofit fontScale="90000"/>
-          </a:bodyPr>
-          <a:lstStyle/>
-          <a:p>
-            <a:r>
-              <a:rPr lang="en-US" altLang="zh-CN" dirty="0"/>
-              <a:t>Example: rendering using programmatically define material</a:t>
+          <a:bodyPr/>
+          <a:lstStyle/>
+          <a:p>
+            <a:r>
+              <a:rPr lang="en-US" altLang="zh-CN" dirty="0"/>
+              <a:t>shader generated</a:t>
             </a:r>
             <a:endParaRPr lang="zh-CN" altLang="en-US" dirty="0"/>
           </a:p>
@@ -12570,119 +12691,10 @@
       </p:sp>
       <p:sp>
         <p:nvSpPr>
-          <p:cNvPr id="3" name="Content Placeholder 2">
+          <p:cNvPr id="4" name="TextBox 3">
             <a:extLst>
               <a:ext uri="{FF2B5EF4-FFF2-40B4-BE49-F238E27FC236}">
-                <a16:creationId xmlns:a16="http://schemas.microsoft.com/office/drawing/2014/main" id="{B5CC53E9-4B11-8B26-503F-35D0EAACA0E4}"/>
-              </a:ext>
-            </a:extLst>
-          </p:cNvPr>
-          <p:cNvSpPr>
-            <a:spLocks noGrp="1"/>
-          </p:cNvSpPr>
-          <p:nvPr>
-            <p:ph idx="1"/>
-          </p:nvPr>
-        </p:nvSpPr>
-        <p:spPr/>
-        <p:txBody>
-          <a:bodyPr>
-            <a:normAutofit fontScale="85000" lnSpcReduction="20000"/>
-          </a:bodyPr>
-          <a:lstStyle/>
-          <a:p>
-            <a:r>
-              <a:rPr lang="en-US" altLang="zh-CN" dirty="0"/>
-              <a:t>1. programmatically define material</a:t>
-            </a:r>
-          </a:p>
-          <a:p>
-            <a:r>
-              <a:rPr lang="en-US" altLang="zh-CN" dirty="0"/>
-              <a:t>2. compile to package by </a:t>
-            </a:r>
-            <a:r>
-              <a:rPr lang="en-US" altLang="zh-CN" dirty="0" err="1"/>
-              <a:t>MaterialBuilder</a:t>
-            </a:r>
-            <a:r>
-              <a:rPr lang="en-US" altLang="zh-CN" dirty="0"/>
-              <a:t> class</a:t>
-            </a:r>
-          </a:p>
-          <a:p>
-            <a:r>
-              <a:rPr lang="en-US" altLang="zh-CN" dirty="0"/>
-              <a:t>3. build material with package</a:t>
-            </a:r>
-          </a:p>
-          <a:p>
-            <a:r>
-              <a:rPr lang="en-US" altLang="zh-CN" dirty="0"/>
-              <a:t>4. create material instance mi</a:t>
-            </a:r>
-          </a:p>
-          <a:p>
-            <a:r>
-              <a:rPr lang="en-US" altLang="zh-CN" dirty="0"/>
-              <a:t>5. load textures</a:t>
-            </a:r>
-          </a:p>
-          <a:p>
-            <a:r>
-              <a:rPr lang="en-US" altLang="zh-CN" dirty="0"/>
-              <a:t>6. set textures to mi</a:t>
-            </a:r>
-          </a:p>
-          <a:p>
-            <a:r>
-              <a:rPr lang="en-US" altLang="zh-CN" dirty="0"/>
-              <a:t>7. build material dictionary by its name</a:t>
-            </a:r>
-          </a:p>
-          <a:p>
-            <a:r>
-              <a:rPr lang="en-US" altLang="zh-CN" dirty="0"/>
-              <a:t>7. load mesh,  set material with mesh material name</a:t>
-            </a:r>
-          </a:p>
-          <a:p>
-            <a:r>
-              <a:rPr lang="en-US" altLang="zh-CN" dirty="0"/>
-              <a:t>8. create </a:t>
-            </a:r>
-            <a:r>
-              <a:rPr lang="en-US" altLang="zh-CN" dirty="0" err="1"/>
-              <a:t>renderable</a:t>
-            </a:r>
-            <a:r>
-              <a:rPr lang="en-US" altLang="zh-CN" dirty="0"/>
-              <a:t> and add to scene</a:t>
-            </a:r>
-          </a:p>
-          <a:p>
-            <a:r>
-              <a:rPr lang="en-US" altLang="zh-CN" dirty="0"/>
-              <a:t>9. add light to scene</a:t>
-            </a:r>
-          </a:p>
-          <a:p>
-            <a:r>
-              <a:rPr lang="en-US" altLang="zh-CN" dirty="0"/>
-              <a:t>10. render</a:t>
-            </a:r>
-          </a:p>
-          <a:p>
-            <a:endParaRPr lang="zh-CN" altLang="en-US" dirty="0"/>
-          </a:p>
-        </p:txBody>
-      </p:sp>
-      <p:sp>
-        <p:nvSpPr>
-          <p:cNvPr id="5" name="TextBox 4">
-            <a:extLst>
-              <a:ext uri="{FF2B5EF4-FFF2-40B4-BE49-F238E27FC236}">
-                <a16:creationId xmlns:a16="http://schemas.microsoft.com/office/drawing/2014/main" id="{C32745BF-D0D6-3357-9041-9AE2726E19BA}"/>
+                <a16:creationId xmlns:a16="http://schemas.microsoft.com/office/drawing/2014/main" id="{36ADF69A-1C79-3B7F-FCED-EFDF9A8203FE}"/>
               </a:ext>
             </a:extLst>
           </p:cNvPr>
@@ -12691,8 +12703,8 @@
         </p:nvSpPr>
         <p:spPr>
           <a:xfrm>
-            <a:off x="111275" y="6406625"/>
-            <a:ext cx="7987695" cy="369332"/>
+            <a:off x="383418" y="1412724"/>
+            <a:ext cx="7096277" cy="5324535"/>
           </a:xfrm>
           <a:prstGeom prst="rect">
             <a:avLst/>
@@ -12700,22 +12712,1694 @@
           <a:noFill/>
         </p:spPr>
         <p:txBody>
-          <a:bodyPr wrap="square">
+          <a:bodyPr wrap="square" rtlCol="0">
             <a:spAutoFit/>
           </a:bodyPr>
           <a:lstStyle/>
           <a:p>
             <a:r>
-              <a:rPr lang="zh-CN" altLang="en-US" dirty="0"/>
-              <a:t>https://github.com/google/filament/blob/main/samples/sample_full_pbr.cpp</a:t>
-            </a:r>
-          </a:p>
-        </p:txBody>
-      </p:sp>
+              <a:rPr lang="en-US" altLang="zh-CN" sz="1400" b="0" dirty="0">
+                <a:solidFill>
+                  <a:srgbClr val="569CD6"/>
+                </a:solidFill>
+                <a:effectLst/>
+                <a:latin typeface="Consolas" panose="020B0609020204030204" pitchFamily="49" charset="0"/>
+              </a:rPr>
+              <a:t>void</a:t>
+            </a:r>
+            <a:r>
+              <a:rPr lang="en-US" altLang="zh-CN" sz="1400" b="0" dirty="0">
+                <a:solidFill>
+                  <a:srgbClr val="CCCCCC"/>
+                </a:solidFill>
+                <a:effectLst/>
+                <a:latin typeface="Consolas" panose="020B0609020204030204" pitchFamily="49" charset="0"/>
+              </a:rPr>
+              <a:t> </a:t>
+            </a:r>
+            <a:r>
+              <a:rPr lang="en-US" altLang="zh-CN" sz="1400" b="0" dirty="0">
+                <a:solidFill>
+                  <a:srgbClr val="DCDCAA"/>
+                </a:solidFill>
+                <a:effectLst/>
+                <a:latin typeface="Consolas" panose="020B0609020204030204" pitchFamily="49" charset="0"/>
+              </a:rPr>
+              <a:t>main</a:t>
+            </a:r>
+            <a:r>
+              <a:rPr lang="en-US" altLang="zh-CN" sz="1400" b="0" dirty="0">
+                <a:solidFill>
+                  <a:srgbClr val="CCCCCC"/>
+                </a:solidFill>
+                <a:effectLst/>
+                <a:latin typeface="Consolas" panose="020B0609020204030204" pitchFamily="49" charset="0"/>
+              </a:rPr>
+              <a:t>()</a:t>
+            </a:r>
+          </a:p>
+          <a:p>
+            <a:r>
+              <a:rPr lang="en-US" altLang="zh-CN" sz="1400" b="0" dirty="0">
+                <a:solidFill>
+                  <a:srgbClr val="CCCCCC"/>
+                </a:solidFill>
+                <a:effectLst/>
+                <a:latin typeface="Consolas" panose="020B0609020204030204" pitchFamily="49" charset="0"/>
+              </a:rPr>
+              <a:t>{</a:t>
+            </a:r>
+          </a:p>
+          <a:p>
+            <a:r>
+              <a:rPr lang="en-US" altLang="zh-CN" sz="1400" b="0" dirty="0">
+                <a:solidFill>
+                  <a:srgbClr val="CCCCCC"/>
+                </a:solidFill>
+                <a:effectLst/>
+                <a:latin typeface="Consolas" panose="020B0609020204030204" pitchFamily="49" charset="0"/>
+              </a:rPr>
+              <a:t>    </a:t>
+            </a:r>
+            <a:r>
+              <a:rPr lang="en-US" altLang="zh-CN" sz="1400" b="0" dirty="0" err="1">
+                <a:solidFill>
+                  <a:srgbClr val="CCCCCC"/>
+                </a:solidFill>
+                <a:effectLst/>
+                <a:latin typeface="Consolas" panose="020B0609020204030204" pitchFamily="49" charset="0"/>
+              </a:rPr>
+              <a:t>filament_lodBias</a:t>
+            </a:r>
+            <a:r>
+              <a:rPr lang="en-US" altLang="zh-CN" sz="1400" b="0" dirty="0">
+                <a:solidFill>
+                  <a:srgbClr val="CCCCCC"/>
+                </a:solidFill>
+                <a:effectLst/>
+                <a:latin typeface="Consolas" panose="020B0609020204030204" pitchFamily="49" charset="0"/>
+              </a:rPr>
+              <a:t> </a:t>
+            </a:r>
+            <a:r>
+              <a:rPr lang="en-US" altLang="zh-CN" sz="1400" b="0" dirty="0">
+                <a:solidFill>
+                  <a:srgbClr val="D4D4D4"/>
+                </a:solidFill>
+                <a:effectLst/>
+                <a:latin typeface="Consolas" panose="020B0609020204030204" pitchFamily="49" charset="0"/>
+              </a:rPr>
+              <a:t>=</a:t>
+            </a:r>
+            <a:r>
+              <a:rPr lang="en-US" altLang="zh-CN" sz="1400" b="0" dirty="0">
+                <a:solidFill>
+                  <a:srgbClr val="CCCCCC"/>
+                </a:solidFill>
+                <a:effectLst/>
+                <a:latin typeface="Consolas" panose="020B0609020204030204" pitchFamily="49" charset="0"/>
+              </a:rPr>
+              <a:t> </a:t>
+            </a:r>
+            <a:r>
+              <a:rPr lang="en-US" altLang="zh-CN" sz="1400" b="0" dirty="0" err="1">
+                <a:solidFill>
+                  <a:srgbClr val="9CDCFE"/>
+                </a:solidFill>
+                <a:effectLst/>
+                <a:latin typeface="Consolas" panose="020B0609020204030204" pitchFamily="49" charset="0"/>
+              </a:rPr>
+              <a:t>frameUniforms</a:t>
+            </a:r>
+            <a:r>
+              <a:rPr lang="en-US" altLang="zh-CN" sz="1400" b="0" dirty="0" err="1">
+                <a:solidFill>
+                  <a:srgbClr val="CCCCCC"/>
+                </a:solidFill>
+                <a:effectLst/>
+                <a:latin typeface="Consolas" panose="020B0609020204030204" pitchFamily="49" charset="0"/>
+              </a:rPr>
+              <a:t>.</a:t>
+            </a:r>
+            <a:r>
+              <a:rPr lang="en-US" altLang="zh-CN" sz="1400" b="0" dirty="0" err="1">
+                <a:solidFill>
+                  <a:srgbClr val="9CDCFE"/>
+                </a:solidFill>
+                <a:effectLst/>
+                <a:latin typeface="Consolas" panose="020B0609020204030204" pitchFamily="49" charset="0"/>
+              </a:rPr>
+              <a:t>lodBias</a:t>
+            </a:r>
+            <a:r>
+              <a:rPr lang="en-US" altLang="zh-CN" sz="1400" b="0" dirty="0">
+                <a:solidFill>
+                  <a:srgbClr val="CCCCCC"/>
+                </a:solidFill>
+                <a:effectLst/>
+                <a:latin typeface="Consolas" panose="020B0609020204030204" pitchFamily="49" charset="0"/>
+              </a:rPr>
+              <a:t>;</a:t>
+            </a:r>
+          </a:p>
+          <a:p>
+            <a:br>
+              <a:rPr lang="en-US" altLang="zh-CN" sz="1400" b="0" dirty="0">
+                <a:solidFill>
+                  <a:srgbClr val="CCCCCC"/>
+                </a:solidFill>
+                <a:effectLst/>
+                <a:latin typeface="Consolas" panose="020B0609020204030204" pitchFamily="49" charset="0"/>
+              </a:rPr>
+            </a:br>
+            <a:r>
+              <a:rPr lang="en-US" altLang="zh-CN" sz="1400" b="0" dirty="0">
+                <a:solidFill>
+                  <a:srgbClr val="6A9955"/>
+                </a:solidFill>
+                <a:effectLst/>
+                <a:latin typeface="Consolas" panose="020B0609020204030204" pitchFamily="49" charset="0"/>
+              </a:rPr>
+              <a:t>    // instance</a:t>
+            </a:r>
+            <a:endParaRPr lang="en-US" altLang="zh-CN" sz="1400" b="0" dirty="0">
+              <a:solidFill>
+                <a:srgbClr val="CCCCCC"/>
+              </a:solidFill>
+              <a:effectLst/>
+              <a:latin typeface="Consolas" panose="020B0609020204030204" pitchFamily="49" charset="0"/>
+            </a:endParaRPr>
+          </a:p>
+          <a:p>
+            <a:r>
+              <a:rPr lang="en-US" altLang="zh-CN" sz="1400" b="0" dirty="0">
+                <a:solidFill>
+                  <a:srgbClr val="CCCCCC"/>
+                </a:solidFill>
+                <a:effectLst/>
+                <a:latin typeface="Consolas" panose="020B0609020204030204" pitchFamily="49" charset="0"/>
+              </a:rPr>
+              <a:t>    </a:t>
+            </a:r>
+            <a:r>
+              <a:rPr lang="en-US" altLang="zh-CN" sz="1400" b="0" dirty="0" err="1">
+                <a:solidFill>
+                  <a:srgbClr val="CCCCCC"/>
+                </a:solidFill>
+                <a:effectLst/>
+                <a:latin typeface="Consolas" panose="020B0609020204030204" pitchFamily="49" charset="0"/>
+              </a:rPr>
+              <a:t>logical_instance_index</a:t>
+            </a:r>
+            <a:r>
+              <a:rPr lang="en-US" altLang="zh-CN" sz="1400" b="0" dirty="0">
+                <a:solidFill>
+                  <a:srgbClr val="CCCCCC"/>
+                </a:solidFill>
+                <a:effectLst/>
+                <a:latin typeface="Consolas" panose="020B0609020204030204" pitchFamily="49" charset="0"/>
+              </a:rPr>
+              <a:t> </a:t>
+            </a:r>
+            <a:r>
+              <a:rPr lang="en-US" altLang="zh-CN" sz="1400" b="0" dirty="0">
+                <a:solidFill>
+                  <a:srgbClr val="D4D4D4"/>
+                </a:solidFill>
+                <a:effectLst/>
+                <a:latin typeface="Consolas" panose="020B0609020204030204" pitchFamily="49" charset="0"/>
+              </a:rPr>
+              <a:t>=</a:t>
+            </a:r>
+            <a:r>
+              <a:rPr lang="en-US" altLang="zh-CN" sz="1400" b="0" dirty="0">
+                <a:solidFill>
+                  <a:srgbClr val="CCCCCC"/>
+                </a:solidFill>
+                <a:effectLst/>
+                <a:latin typeface="Consolas" panose="020B0609020204030204" pitchFamily="49" charset="0"/>
+              </a:rPr>
+              <a:t> </a:t>
+            </a:r>
+            <a:r>
+              <a:rPr lang="en-US" altLang="zh-CN" sz="1400" b="0" dirty="0" err="1">
+                <a:solidFill>
+                  <a:srgbClr val="CCCCCC"/>
+                </a:solidFill>
+                <a:effectLst/>
+                <a:latin typeface="Consolas" panose="020B0609020204030204" pitchFamily="49" charset="0"/>
+              </a:rPr>
+              <a:t>instance_index</a:t>
+            </a:r>
+            <a:r>
+              <a:rPr lang="en-US" altLang="zh-CN" sz="1400" b="0" dirty="0">
+                <a:solidFill>
+                  <a:srgbClr val="CCCCCC"/>
+                </a:solidFill>
+                <a:effectLst/>
+                <a:latin typeface="Consolas" panose="020B0609020204030204" pitchFamily="49" charset="0"/>
+              </a:rPr>
+              <a:t>;</a:t>
+            </a:r>
+          </a:p>
+          <a:p>
+            <a:r>
+              <a:rPr lang="en-US" altLang="zh-CN" sz="1400" b="0" dirty="0">
+                <a:solidFill>
+                  <a:srgbClr val="CCCCCC"/>
+                </a:solidFill>
+                <a:effectLst/>
+                <a:latin typeface="Consolas" panose="020B0609020204030204" pitchFamily="49" charset="0"/>
+              </a:rPr>
+              <a:t>    </a:t>
+            </a:r>
+            <a:r>
+              <a:rPr lang="en-US" altLang="zh-CN" sz="1400" b="0" dirty="0" err="1">
+                <a:solidFill>
+                  <a:srgbClr val="DCDCAA"/>
+                </a:solidFill>
+                <a:effectLst/>
+                <a:latin typeface="Consolas" panose="020B0609020204030204" pitchFamily="49" charset="0"/>
+              </a:rPr>
+              <a:t>initObjectUniforms</a:t>
+            </a:r>
+            <a:r>
+              <a:rPr lang="en-US" altLang="zh-CN" sz="1400" b="0" dirty="0">
+                <a:solidFill>
+                  <a:srgbClr val="CCCCCC"/>
+                </a:solidFill>
+                <a:effectLst/>
+                <a:latin typeface="Consolas" panose="020B0609020204030204" pitchFamily="49" charset="0"/>
+              </a:rPr>
+              <a:t>();</a:t>
+            </a:r>
+          </a:p>
+          <a:p>
+            <a:r>
+              <a:rPr lang="en-US" altLang="zh-CN" sz="1400" b="0" dirty="0">
+                <a:solidFill>
+                  <a:srgbClr val="CCCCCC"/>
+                </a:solidFill>
+                <a:effectLst/>
+                <a:latin typeface="Consolas" panose="020B0609020204030204" pitchFamily="49" charset="0"/>
+              </a:rPr>
+              <a:t>    </a:t>
+            </a:r>
+            <a:r>
+              <a:rPr lang="en-US" altLang="zh-CN" sz="1400" b="0" dirty="0" err="1">
+                <a:solidFill>
+                  <a:srgbClr val="DCDCAA"/>
+                </a:solidFill>
+                <a:effectLst/>
+                <a:latin typeface="Consolas" panose="020B0609020204030204" pitchFamily="49" charset="0"/>
+              </a:rPr>
+              <a:t>computeShadingParams</a:t>
+            </a:r>
+            <a:r>
+              <a:rPr lang="en-US" altLang="zh-CN" sz="1400" b="0" dirty="0">
+                <a:solidFill>
+                  <a:srgbClr val="CCCCCC"/>
+                </a:solidFill>
+                <a:effectLst/>
+                <a:latin typeface="Consolas" panose="020B0609020204030204" pitchFamily="49" charset="0"/>
+              </a:rPr>
+              <a:t>();</a:t>
+            </a:r>
+          </a:p>
+          <a:p>
+            <a:br>
+              <a:rPr lang="en-US" altLang="zh-CN" sz="1400" b="0" dirty="0">
+                <a:solidFill>
+                  <a:srgbClr val="CCCCCC"/>
+                </a:solidFill>
+                <a:effectLst/>
+                <a:latin typeface="Consolas" panose="020B0609020204030204" pitchFamily="49" charset="0"/>
+              </a:rPr>
+            </a:br>
+            <a:r>
+              <a:rPr lang="en-US" altLang="zh-CN" sz="1400" b="0" dirty="0">
+                <a:solidFill>
+                  <a:srgbClr val="6A9955"/>
+                </a:solidFill>
+                <a:effectLst/>
+                <a:latin typeface="Consolas" panose="020B0609020204030204" pitchFamily="49" charset="0"/>
+              </a:rPr>
+              <a:t>    // </a:t>
+            </a:r>
+            <a:r>
+              <a:rPr lang="en-US" altLang="zh-CN" sz="1400" b="0" dirty="0" err="1">
+                <a:solidFill>
+                  <a:srgbClr val="6A9955"/>
+                </a:solidFill>
+                <a:effectLst/>
+                <a:latin typeface="Consolas" panose="020B0609020204030204" pitchFamily="49" charset="0"/>
+              </a:rPr>
+              <a:t>init</a:t>
+            </a:r>
+            <a:r>
+              <a:rPr lang="en-US" altLang="zh-CN" sz="1400" b="0" dirty="0">
+                <a:solidFill>
+                  <a:srgbClr val="6A9955"/>
+                </a:solidFill>
+                <a:effectLst/>
+                <a:latin typeface="Consolas" panose="020B0609020204030204" pitchFamily="49" charset="0"/>
+              </a:rPr>
+              <a:t> mat</a:t>
+            </a:r>
+            <a:endParaRPr lang="en-US" altLang="zh-CN" sz="1400" b="0" dirty="0">
+              <a:solidFill>
+                <a:srgbClr val="CCCCCC"/>
+              </a:solidFill>
+              <a:effectLst/>
+              <a:latin typeface="Consolas" panose="020B0609020204030204" pitchFamily="49" charset="0"/>
+            </a:endParaRPr>
+          </a:p>
+          <a:p>
+            <a:r>
+              <a:rPr lang="en-US" altLang="zh-CN" sz="1400" b="0" dirty="0">
+                <a:solidFill>
+                  <a:srgbClr val="CCCCCC"/>
+                </a:solidFill>
+                <a:effectLst/>
+                <a:latin typeface="Consolas" panose="020B0609020204030204" pitchFamily="49" charset="0"/>
+              </a:rPr>
+              <a:t>    </a:t>
+            </a:r>
+            <a:r>
+              <a:rPr lang="en-US" altLang="zh-CN" sz="1400" b="0" dirty="0" err="1">
+                <a:solidFill>
+                  <a:srgbClr val="CCCCCC"/>
+                </a:solidFill>
+                <a:effectLst/>
+                <a:latin typeface="Consolas" panose="020B0609020204030204" pitchFamily="49" charset="0"/>
+              </a:rPr>
+              <a:t>MaterialInputs</a:t>
+            </a:r>
+            <a:r>
+              <a:rPr lang="en-US" altLang="zh-CN" sz="1400" b="0" dirty="0">
+                <a:solidFill>
+                  <a:srgbClr val="CCCCCC"/>
+                </a:solidFill>
+                <a:effectLst/>
+                <a:latin typeface="Consolas" panose="020B0609020204030204" pitchFamily="49" charset="0"/>
+              </a:rPr>
+              <a:t> inputs;</a:t>
+            </a:r>
+          </a:p>
+          <a:p>
+            <a:r>
+              <a:rPr lang="en-US" altLang="zh-CN" sz="1400" b="0" dirty="0">
+                <a:solidFill>
+                  <a:srgbClr val="CCCCCC"/>
+                </a:solidFill>
+                <a:effectLst/>
+                <a:latin typeface="Consolas" panose="020B0609020204030204" pitchFamily="49" charset="0"/>
+              </a:rPr>
+              <a:t>    </a:t>
+            </a:r>
+            <a:r>
+              <a:rPr lang="en-US" altLang="zh-CN" sz="1400" b="0" dirty="0" err="1">
+                <a:solidFill>
+                  <a:srgbClr val="DCDCAA"/>
+                </a:solidFill>
+                <a:effectLst/>
+                <a:latin typeface="Consolas" panose="020B0609020204030204" pitchFamily="49" charset="0"/>
+              </a:rPr>
+              <a:t>initMaterial</a:t>
+            </a:r>
+            <a:r>
+              <a:rPr lang="en-US" altLang="zh-CN" sz="1400" b="0" dirty="0">
+                <a:solidFill>
+                  <a:srgbClr val="CCCCCC"/>
+                </a:solidFill>
+                <a:effectLst/>
+                <a:latin typeface="Consolas" panose="020B0609020204030204" pitchFamily="49" charset="0"/>
+              </a:rPr>
+              <a:t>(inputs);</a:t>
+            </a:r>
+          </a:p>
+          <a:p>
+            <a:br>
+              <a:rPr lang="en-US" altLang="zh-CN" sz="1400" b="0" dirty="0">
+                <a:solidFill>
+                  <a:srgbClr val="CCCCCC"/>
+                </a:solidFill>
+                <a:effectLst/>
+                <a:latin typeface="Consolas" panose="020B0609020204030204" pitchFamily="49" charset="0"/>
+              </a:rPr>
+            </a:br>
+            <a:r>
+              <a:rPr lang="en-US" altLang="zh-CN" sz="1600" b="1" i="1" dirty="0">
+                <a:solidFill>
+                  <a:srgbClr val="FF0000"/>
+                </a:solidFill>
+                <a:effectLst/>
+                <a:latin typeface="Consolas" panose="020B0609020204030204" pitchFamily="49" charset="0"/>
+              </a:rPr>
+              <a:t>    // user mat code, will call -&gt; </a:t>
+            </a:r>
+            <a:r>
+              <a:rPr lang="en-US" altLang="zh-CN" sz="1600" b="1" i="1" dirty="0" err="1">
+                <a:solidFill>
+                  <a:srgbClr val="FF0000"/>
+                </a:solidFill>
+                <a:effectLst/>
+                <a:latin typeface="Consolas" panose="020B0609020204030204" pitchFamily="49" charset="0"/>
+              </a:rPr>
+              <a:t>prepareMaterial</a:t>
+            </a:r>
+            <a:endParaRPr lang="en-US" altLang="zh-CN" sz="1600" b="1" i="1" dirty="0">
+              <a:solidFill>
+                <a:srgbClr val="FF0000"/>
+              </a:solidFill>
+              <a:effectLst/>
+              <a:latin typeface="Consolas" panose="020B0609020204030204" pitchFamily="49" charset="0"/>
+            </a:endParaRPr>
+          </a:p>
+          <a:p>
+            <a:r>
+              <a:rPr lang="en-US" altLang="zh-CN" sz="1600" b="1" i="1" dirty="0">
+                <a:solidFill>
+                  <a:srgbClr val="FF0000"/>
+                </a:solidFill>
+                <a:effectLst/>
+                <a:latin typeface="Consolas" panose="020B0609020204030204" pitchFamily="49" charset="0"/>
+              </a:rPr>
+              <a:t>    material(inputs);</a:t>
+            </a:r>
+          </a:p>
+          <a:p>
+            <a:br>
+              <a:rPr lang="en-US" altLang="zh-CN" sz="1400" b="0" dirty="0">
+                <a:solidFill>
+                  <a:srgbClr val="CCCCCC"/>
+                </a:solidFill>
+                <a:effectLst/>
+                <a:latin typeface="Consolas" panose="020B0609020204030204" pitchFamily="49" charset="0"/>
+              </a:rPr>
+            </a:br>
+            <a:r>
+              <a:rPr lang="en-US" altLang="zh-CN" sz="1400" b="0" dirty="0">
+                <a:solidFill>
+                  <a:srgbClr val="6A9955"/>
+                </a:solidFill>
+                <a:effectLst/>
+                <a:latin typeface="Consolas" panose="020B0609020204030204" pitchFamily="49" charset="0"/>
+              </a:rPr>
+              <a:t>    // shading model code</a:t>
+            </a:r>
+            <a:endParaRPr lang="en-US" altLang="zh-CN" sz="1400" b="0" dirty="0">
+              <a:solidFill>
+                <a:srgbClr val="CCCCCC"/>
+              </a:solidFill>
+              <a:effectLst/>
+              <a:latin typeface="Consolas" panose="020B0609020204030204" pitchFamily="49" charset="0"/>
+            </a:endParaRPr>
+          </a:p>
+          <a:p>
+            <a:r>
+              <a:rPr lang="en-US" altLang="zh-CN" sz="1400" b="0" dirty="0">
+                <a:solidFill>
+                  <a:srgbClr val="CCCCCC"/>
+                </a:solidFill>
+                <a:effectLst/>
+                <a:latin typeface="Consolas" panose="020B0609020204030204" pitchFamily="49" charset="0"/>
+              </a:rPr>
+              <a:t>    </a:t>
+            </a:r>
+            <a:r>
+              <a:rPr lang="en-US" altLang="zh-CN" sz="1400" b="0" dirty="0" err="1">
+                <a:solidFill>
+                  <a:srgbClr val="CCCCCC"/>
+                </a:solidFill>
+                <a:effectLst/>
+                <a:latin typeface="Consolas" panose="020B0609020204030204" pitchFamily="49" charset="0"/>
+              </a:rPr>
+              <a:t>fragColor</a:t>
+            </a:r>
+            <a:r>
+              <a:rPr lang="en-US" altLang="zh-CN" sz="1400" b="0" dirty="0">
+                <a:solidFill>
+                  <a:srgbClr val="CCCCCC"/>
+                </a:solidFill>
+                <a:effectLst/>
+                <a:latin typeface="Consolas" panose="020B0609020204030204" pitchFamily="49" charset="0"/>
+              </a:rPr>
+              <a:t> </a:t>
+            </a:r>
+            <a:r>
+              <a:rPr lang="en-US" altLang="zh-CN" sz="1400" b="0" dirty="0">
+                <a:solidFill>
+                  <a:srgbClr val="D4D4D4"/>
+                </a:solidFill>
+                <a:effectLst/>
+                <a:latin typeface="Consolas" panose="020B0609020204030204" pitchFamily="49" charset="0"/>
+              </a:rPr>
+              <a:t>=</a:t>
+            </a:r>
+            <a:r>
+              <a:rPr lang="en-US" altLang="zh-CN" sz="1400" b="0" dirty="0">
+                <a:solidFill>
+                  <a:srgbClr val="CCCCCC"/>
+                </a:solidFill>
+                <a:effectLst/>
+                <a:latin typeface="Consolas" panose="020B0609020204030204" pitchFamily="49" charset="0"/>
+              </a:rPr>
+              <a:t> </a:t>
+            </a:r>
+            <a:r>
+              <a:rPr lang="en-US" altLang="zh-CN" sz="1400" b="0" dirty="0" err="1">
+                <a:solidFill>
+                  <a:srgbClr val="DCDCAA"/>
+                </a:solidFill>
+                <a:effectLst/>
+                <a:latin typeface="Consolas" panose="020B0609020204030204" pitchFamily="49" charset="0"/>
+              </a:rPr>
+              <a:t>evaluateMaterial</a:t>
+            </a:r>
+            <a:r>
+              <a:rPr lang="en-US" altLang="zh-CN" sz="1400" b="0" dirty="0">
+                <a:solidFill>
+                  <a:srgbClr val="CCCCCC"/>
+                </a:solidFill>
+                <a:effectLst/>
+                <a:latin typeface="Consolas" panose="020B0609020204030204" pitchFamily="49" charset="0"/>
+              </a:rPr>
+              <a:t>(inputs);</a:t>
+            </a:r>
+          </a:p>
+          <a:p>
+            <a:br>
+              <a:rPr lang="en-US" altLang="zh-CN" sz="1400" b="0" dirty="0">
+                <a:solidFill>
+                  <a:srgbClr val="CCCCCC"/>
+                </a:solidFill>
+                <a:effectLst/>
+                <a:latin typeface="Consolas" panose="020B0609020204030204" pitchFamily="49" charset="0"/>
+              </a:rPr>
+            </a:br>
+            <a:r>
+              <a:rPr lang="en-US" altLang="zh-CN" sz="1400" b="0" dirty="0">
+                <a:solidFill>
+                  <a:srgbClr val="6A9955"/>
+                </a:solidFill>
+                <a:effectLst/>
+                <a:latin typeface="Consolas" panose="020B0609020204030204" pitchFamily="49" charset="0"/>
+              </a:rPr>
+              <a:t>    // fog</a:t>
+            </a:r>
+            <a:endParaRPr lang="en-US" altLang="zh-CN" sz="1400" b="0" dirty="0">
+              <a:solidFill>
+                <a:srgbClr val="CCCCCC"/>
+              </a:solidFill>
+              <a:effectLst/>
+              <a:latin typeface="Consolas" panose="020B0609020204030204" pitchFamily="49" charset="0"/>
+            </a:endParaRPr>
+          </a:p>
+          <a:p>
+            <a:r>
+              <a:rPr lang="en-US" altLang="zh-CN" sz="1400" b="0" dirty="0">
+                <a:solidFill>
+                  <a:srgbClr val="CCCCCC"/>
+                </a:solidFill>
+                <a:effectLst/>
+                <a:latin typeface="Consolas" panose="020B0609020204030204" pitchFamily="49" charset="0"/>
+              </a:rPr>
+              <a:t>    </a:t>
+            </a:r>
+            <a:r>
+              <a:rPr lang="en-US" altLang="zh-CN" sz="1400" b="0" dirty="0" err="1">
+                <a:solidFill>
+                  <a:srgbClr val="CCCCCC"/>
+                </a:solidFill>
+                <a:effectLst/>
+                <a:latin typeface="Consolas" panose="020B0609020204030204" pitchFamily="49" charset="0"/>
+              </a:rPr>
+              <a:t>highp</a:t>
+            </a:r>
+            <a:r>
+              <a:rPr lang="en-US" altLang="zh-CN" sz="1400" b="0" dirty="0">
+                <a:solidFill>
+                  <a:srgbClr val="CCCCCC"/>
+                </a:solidFill>
+                <a:effectLst/>
+                <a:latin typeface="Consolas" panose="020B0609020204030204" pitchFamily="49" charset="0"/>
+              </a:rPr>
+              <a:t> vec3 view </a:t>
+            </a:r>
+            <a:r>
+              <a:rPr lang="en-US" altLang="zh-CN" sz="1400" b="0" dirty="0">
+                <a:solidFill>
+                  <a:srgbClr val="D4D4D4"/>
+                </a:solidFill>
+                <a:effectLst/>
+                <a:latin typeface="Consolas" panose="020B0609020204030204" pitchFamily="49" charset="0"/>
+              </a:rPr>
+              <a:t>=</a:t>
+            </a:r>
+            <a:r>
+              <a:rPr lang="en-US" altLang="zh-CN" sz="1400" b="0" dirty="0">
+                <a:solidFill>
+                  <a:srgbClr val="CCCCCC"/>
+                </a:solidFill>
+                <a:effectLst/>
+                <a:latin typeface="Consolas" panose="020B0609020204030204" pitchFamily="49" charset="0"/>
+              </a:rPr>
+              <a:t> </a:t>
+            </a:r>
+            <a:r>
+              <a:rPr lang="en-US" altLang="zh-CN" sz="1400" b="0" dirty="0" err="1">
+                <a:solidFill>
+                  <a:srgbClr val="DCDCAA"/>
+                </a:solidFill>
+                <a:effectLst/>
+                <a:latin typeface="Consolas" panose="020B0609020204030204" pitchFamily="49" charset="0"/>
+              </a:rPr>
+              <a:t>getWorldPosition</a:t>
+            </a:r>
+            <a:r>
+              <a:rPr lang="en-US" altLang="zh-CN" sz="1400" b="0" dirty="0">
+                <a:solidFill>
+                  <a:srgbClr val="CCCCCC"/>
+                </a:solidFill>
+                <a:effectLst/>
+                <a:latin typeface="Consolas" panose="020B0609020204030204" pitchFamily="49" charset="0"/>
+              </a:rPr>
+              <a:t>() </a:t>
+            </a:r>
+            <a:r>
+              <a:rPr lang="en-US" altLang="zh-CN" sz="1400" b="0" dirty="0">
+                <a:solidFill>
+                  <a:srgbClr val="D4D4D4"/>
+                </a:solidFill>
+                <a:effectLst/>
+                <a:latin typeface="Consolas" panose="020B0609020204030204" pitchFamily="49" charset="0"/>
+              </a:rPr>
+              <a:t>-</a:t>
+            </a:r>
+            <a:r>
+              <a:rPr lang="en-US" altLang="zh-CN" sz="1400" b="0" dirty="0">
+                <a:solidFill>
+                  <a:srgbClr val="CCCCCC"/>
+                </a:solidFill>
+                <a:effectLst/>
+                <a:latin typeface="Consolas" panose="020B0609020204030204" pitchFamily="49" charset="0"/>
+              </a:rPr>
+              <a:t> </a:t>
+            </a:r>
+            <a:r>
+              <a:rPr lang="en-US" altLang="zh-CN" sz="1400" b="0" dirty="0" err="1">
+                <a:solidFill>
+                  <a:srgbClr val="DCDCAA"/>
+                </a:solidFill>
+                <a:effectLst/>
+                <a:latin typeface="Consolas" panose="020B0609020204030204" pitchFamily="49" charset="0"/>
+              </a:rPr>
+              <a:t>getWorldCameraPosition</a:t>
+            </a:r>
+            <a:r>
+              <a:rPr lang="en-US" altLang="zh-CN" sz="1400" b="0" dirty="0">
+                <a:solidFill>
+                  <a:srgbClr val="CCCCCC"/>
+                </a:solidFill>
+                <a:effectLst/>
+                <a:latin typeface="Consolas" panose="020B0609020204030204" pitchFamily="49" charset="0"/>
+              </a:rPr>
+              <a:t>();</a:t>
+            </a:r>
+          </a:p>
+          <a:p>
+            <a:r>
+              <a:rPr lang="en-US" altLang="zh-CN" sz="1400" b="0" dirty="0">
+                <a:solidFill>
+                  <a:srgbClr val="CCCCCC"/>
+                </a:solidFill>
+                <a:effectLst/>
+                <a:latin typeface="Consolas" panose="020B0609020204030204" pitchFamily="49" charset="0"/>
+              </a:rPr>
+              <a:t>    view </a:t>
+            </a:r>
+            <a:r>
+              <a:rPr lang="en-US" altLang="zh-CN" sz="1400" b="0" dirty="0">
+                <a:solidFill>
+                  <a:srgbClr val="D4D4D4"/>
+                </a:solidFill>
+                <a:effectLst/>
+                <a:latin typeface="Consolas" panose="020B0609020204030204" pitchFamily="49" charset="0"/>
+              </a:rPr>
+              <a:t>=</a:t>
+            </a:r>
+            <a:r>
+              <a:rPr lang="en-US" altLang="zh-CN" sz="1400" b="0" dirty="0">
+                <a:solidFill>
+                  <a:srgbClr val="CCCCCC"/>
+                </a:solidFill>
+                <a:effectLst/>
+                <a:latin typeface="Consolas" panose="020B0609020204030204" pitchFamily="49" charset="0"/>
+              </a:rPr>
+              <a:t> </a:t>
+            </a:r>
+            <a:r>
+              <a:rPr lang="en-US" altLang="zh-CN" sz="1400" b="0" dirty="0" err="1">
+                <a:solidFill>
+                  <a:srgbClr val="9CDCFE"/>
+                </a:solidFill>
+                <a:effectLst/>
+                <a:latin typeface="Consolas" panose="020B0609020204030204" pitchFamily="49" charset="0"/>
+              </a:rPr>
+              <a:t>frameUniforms</a:t>
+            </a:r>
+            <a:r>
+              <a:rPr lang="en-US" altLang="zh-CN" sz="1400" b="0" dirty="0" err="1">
+                <a:solidFill>
+                  <a:srgbClr val="CCCCCC"/>
+                </a:solidFill>
+                <a:effectLst/>
+                <a:latin typeface="Consolas" panose="020B0609020204030204" pitchFamily="49" charset="0"/>
+              </a:rPr>
+              <a:t>.</a:t>
+            </a:r>
+            <a:r>
+              <a:rPr lang="en-US" altLang="zh-CN" sz="1400" b="0" dirty="0" err="1">
+                <a:solidFill>
+                  <a:srgbClr val="9CDCFE"/>
+                </a:solidFill>
+                <a:effectLst/>
+                <a:latin typeface="Consolas" panose="020B0609020204030204" pitchFamily="49" charset="0"/>
+              </a:rPr>
+              <a:t>fogFromWorldMatrix</a:t>
+            </a:r>
+            <a:r>
+              <a:rPr lang="en-US" altLang="zh-CN" sz="1400" b="0" dirty="0">
+                <a:solidFill>
+                  <a:srgbClr val="CCCCCC"/>
+                </a:solidFill>
+                <a:effectLst/>
+                <a:latin typeface="Consolas" panose="020B0609020204030204" pitchFamily="49" charset="0"/>
+              </a:rPr>
+              <a:t> </a:t>
+            </a:r>
+            <a:r>
+              <a:rPr lang="en-US" altLang="zh-CN" sz="1400" b="0" dirty="0">
+                <a:solidFill>
+                  <a:srgbClr val="D4D4D4"/>
+                </a:solidFill>
+                <a:effectLst/>
+                <a:latin typeface="Consolas" panose="020B0609020204030204" pitchFamily="49" charset="0"/>
+              </a:rPr>
+              <a:t>*</a:t>
+            </a:r>
+            <a:r>
+              <a:rPr lang="en-US" altLang="zh-CN" sz="1400" b="0" dirty="0">
+                <a:solidFill>
+                  <a:srgbClr val="CCCCCC"/>
+                </a:solidFill>
+                <a:effectLst/>
+                <a:latin typeface="Consolas" panose="020B0609020204030204" pitchFamily="49" charset="0"/>
+              </a:rPr>
+              <a:t> view;</a:t>
+            </a:r>
+          </a:p>
+          <a:p>
+            <a:r>
+              <a:rPr lang="en-US" altLang="zh-CN" sz="1400" b="0" dirty="0">
+                <a:solidFill>
+                  <a:srgbClr val="CCCCCC"/>
+                </a:solidFill>
+                <a:effectLst/>
+                <a:latin typeface="Consolas" panose="020B0609020204030204" pitchFamily="49" charset="0"/>
+              </a:rPr>
+              <a:t>    </a:t>
+            </a:r>
+            <a:r>
+              <a:rPr lang="en-US" altLang="zh-CN" sz="1400" b="0" dirty="0" err="1">
+                <a:solidFill>
+                  <a:srgbClr val="CCCCCC"/>
+                </a:solidFill>
+                <a:effectLst/>
+                <a:latin typeface="Consolas" panose="020B0609020204030204" pitchFamily="49" charset="0"/>
+              </a:rPr>
+              <a:t>fragColor</a:t>
+            </a:r>
+            <a:r>
+              <a:rPr lang="en-US" altLang="zh-CN" sz="1400" b="0" dirty="0">
+                <a:solidFill>
+                  <a:srgbClr val="CCCCCC"/>
+                </a:solidFill>
+                <a:effectLst/>
+                <a:latin typeface="Consolas" panose="020B0609020204030204" pitchFamily="49" charset="0"/>
+              </a:rPr>
+              <a:t> </a:t>
+            </a:r>
+            <a:r>
+              <a:rPr lang="en-US" altLang="zh-CN" sz="1400" b="0" dirty="0">
+                <a:solidFill>
+                  <a:srgbClr val="D4D4D4"/>
+                </a:solidFill>
+                <a:effectLst/>
+                <a:latin typeface="Consolas" panose="020B0609020204030204" pitchFamily="49" charset="0"/>
+              </a:rPr>
+              <a:t>=</a:t>
+            </a:r>
+            <a:r>
+              <a:rPr lang="en-US" altLang="zh-CN" sz="1400" b="0" dirty="0">
+                <a:solidFill>
+                  <a:srgbClr val="CCCCCC"/>
+                </a:solidFill>
+                <a:effectLst/>
+                <a:latin typeface="Consolas" panose="020B0609020204030204" pitchFamily="49" charset="0"/>
+              </a:rPr>
+              <a:t> </a:t>
+            </a:r>
+            <a:r>
+              <a:rPr lang="en-US" altLang="zh-CN" sz="1400" b="0" dirty="0">
+                <a:solidFill>
+                  <a:srgbClr val="DCDCAA"/>
+                </a:solidFill>
+                <a:effectLst/>
+                <a:latin typeface="Consolas" panose="020B0609020204030204" pitchFamily="49" charset="0"/>
+              </a:rPr>
+              <a:t>fog</a:t>
+            </a:r>
+            <a:r>
+              <a:rPr lang="en-US" altLang="zh-CN" sz="1400" b="0" dirty="0">
+                <a:solidFill>
+                  <a:srgbClr val="CCCCCC"/>
+                </a:solidFill>
+                <a:effectLst/>
+                <a:latin typeface="Consolas" panose="020B0609020204030204" pitchFamily="49" charset="0"/>
+              </a:rPr>
+              <a:t>(</a:t>
+            </a:r>
+            <a:r>
+              <a:rPr lang="en-US" altLang="zh-CN" sz="1400" b="0" dirty="0" err="1">
+                <a:solidFill>
+                  <a:srgbClr val="CCCCCC"/>
+                </a:solidFill>
+                <a:effectLst/>
+                <a:latin typeface="Consolas" panose="020B0609020204030204" pitchFamily="49" charset="0"/>
+              </a:rPr>
+              <a:t>fragColor</a:t>
+            </a:r>
+            <a:r>
+              <a:rPr lang="en-US" altLang="zh-CN" sz="1400" b="0" dirty="0">
+                <a:solidFill>
+                  <a:srgbClr val="CCCCCC"/>
+                </a:solidFill>
+                <a:effectLst/>
+                <a:latin typeface="Consolas" panose="020B0609020204030204" pitchFamily="49" charset="0"/>
+              </a:rPr>
+              <a:t>, view);</a:t>
+            </a:r>
+          </a:p>
+          <a:p>
+            <a:r>
+              <a:rPr lang="en-US" altLang="zh-CN" sz="1400" b="0" dirty="0">
+                <a:solidFill>
+                  <a:srgbClr val="CCCCCC"/>
+                </a:solidFill>
+                <a:effectLst/>
+                <a:latin typeface="Consolas" panose="020B0609020204030204" pitchFamily="49" charset="0"/>
+              </a:rPr>
+              <a:t>}</a:t>
+            </a:r>
+          </a:p>
+        </p:txBody>
+      </p:sp>
+      <p:sp>
+        <p:nvSpPr>
+          <p:cNvPr id="6" name="Rectangle 5">
+            <a:extLst>
+              <a:ext uri="{FF2B5EF4-FFF2-40B4-BE49-F238E27FC236}">
+                <a16:creationId xmlns:a16="http://schemas.microsoft.com/office/drawing/2014/main" id="{0854E8B8-69D5-0069-71AF-529C944176D9}"/>
+              </a:ext>
+            </a:extLst>
+          </p:cNvPr>
+          <p:cNvSpPr/>
+          <p:nvPr/>
+        </p:nvSpPr>
+        <p:spPr>
+          <a:xfrm>
+            <a:off x="6391619" y="1506333"/>
+            <a:ext cx="2176152" cy="496640"/>
+          </a:xfrm>
+          <a:prstGeom prst="rect">
+            <a:avLst/>
+          </a:prstGeom>
+          <a:noFill/>
+          <a:ln>
+            <a:solidFill>
+              <a:schemeClr val="accent3">
+                <a:lumMod val="75000"/>
+              </a:schemeClr>
+            </a:solidFill>
+          </a:ln>
+        </p:spPr>
+        <p:style>
+          <a:lnRef idx="2">
+            <a:schemeClr val="accent6"/>
+          </a:lnRef>
+          <a:fillRef idx="1">
+            <a:schemeClr val="lt1"/>
+          </a:fillRef>
+          <a:effectRef idx="0">
+            <a:schemeClr val="accent6"/>
+          </a:effectRef>
+          <a:fontRef idx="minor">
+            <a:schemeClr val="dk1"/>
+          </a:fontRef>
+        </p:style>
+        <p:txBody>
+          <a:bodyPr rtlCol="0" anchor="ctr"/>
+          <a:lstStyle/>
+          <a:p>
+            <a:pPr algn="ctr"/>
+            <a:r>
+              <a:rPr lang="en-US" altLang="zh-CN" sz="1600" b="0" dirty="0" err="1">
+                <a:solidFill>
+                  <a:srgbClr val="CCCCCC"/>
+                </a:solidFill>
+                <a:effectLst/>
+                <a:latin typeface="Consolas" panose="020B0609020204030204" pitchFamily="49" charset="0"/>
+              </a:rPr>
+              <a:t>evaluateMaterial</a:t>
+            </a:r>
+            <a:endParaRPr lang="en-US" altLang="zh-CN" sz="1600" b="0" dirty="0">
+              <a:solidFill>
+                <a:srgbClr val="CCCCCC"/>
+              </a:solidFill>
+              <a:effectLst/>
+              <a:latin typeface="Consolas" panose="020B0609020204030204" pitchFamily="49" charset="0"/>
+            </a:endParaRPr>
+          </a:p>
+        </p:txBody>
+      </p:sp>
+      <p:sp>
+        <p:nvSpPr>
+          <p:cNvPr id="9" name="Rectangle 8">
+            <a:extLst>
+              <a:ext uri="{FF2B5EF4-FFF2-40B4-BE49-F238E27FC236}">
+                <a16:creationId xmlns:a16="http://schemas.microsoft.com/office/drawing/2014/main" id="{E364A91F-E517-0793-57B0-77AAC4E0783A}"/>
+              </a:ext>
+            </a:extLst>
+          </p:cNvPr>
+          <p:cNvSpPr/>
+          <p:nvPr/>
+        </p:nvSpPr>
+        <p:spPr>
+          <a:xfrm>
+            <a:off x="6391619" y="3144181"/>
+            <a:ext cx="2176152" cy="496640"/>
+          </a:xfrm>
+          <a:prstGeom prst="rect">
+            <a:avLst/>
+          </a:prstGeom>
+          <a:noFill/>
+          <a:ln>
+            <a:solidFill>
+              <a:schemeClr val="accent3">
+                <a:lumMod val="75000"/>
+              </a:schemeClr>
+            </a:solidFill>
+          </a:ln>
+        </p:spPr>
+        <p:style>
+          <a:lnRef idx="2">
+            <a:schemeClr val="accent6"/>
+          </a:lnRef>
+          <a:fillRef idx="1">
+            <a:schemeClr val="lt1"/>
+          </a:fillRef>
+          <a:effectRef idx="0">
+            <a:schemeClr val="accent6"/>
+          </a:effectRef>
+          <a:fontRef idx="minor">
+            <a:schemeClr val="dk1"/>
+          </a:fontRef>
+        </p:style>
+        <p:txBody>
+          <a:bodyPr rtlCol="0" anchor="ctr"/>
+          <a:lstStyle/>
+          <a:p>
+            <a:pPr algn="ctr"/>
+            <a:r>
+              <a:rPr lang="en-US" altLang="zh-CN" sz="1600" b="0" dirty="0" err="1">
+                <a:solidFill>
+                  <a:srgbClr val="CCCCCC"/>
+                </a:solidFill>
+                <a:effectLst/>
+                <a:latin typeface="Consolas" panose="020B0609020204030204" pitchFamily="49" charset="0"/>
+              </a:rPr>
+              <a:t>evaluateLights</a:t>
+            </a:r>
+            <a:endParaRPr lang="en-US" altLang="zh-CN" sz="1600" b="0" dirty="0">
+              <a:solidFill>
+                <a:srgbClr val="CCCCCC"/>
+              </a:solidFill>
+              <a:effectLst/>
+              <a:latin typeface="Consolas" panose="020B0609020204030204" pitchFamily="49" charset="0"/>
+            </a:endParaRPr>
+          </a:p>
+        </p:txBody>
+      </p:sp>
+      <p:sp>
+        <p:nvSpPr>
+          <p:cNvPr id="10" name="Rectangle 9">
+            <a:extLst>
+              <a:ext uri="{FF2B5EF4-FFF2-40B4-BE49-F238E27FC236}">
+                <a16:creationId xmlns:a16="http://schemas.microsoft.com/office/drawing/2014/main" id="{DB3DCDE6-3D64-4A77-56CA-E46489C9DB10}"/>
+              </a:ext>
+            </a:extLst>
+          </p:cNvPr>
+          <p:cNvSpPr/>
+          <p:nvPr/>
+        </p:nvSpPr>
+        <p:spPr>
+          <a:xfrm>
+            <a:off x="6454515" y="4940720"/>
+            <a:ext cx="4629562" cy="496640"/>
+          </a:xfrm>
+          <a:prstGeom prst="rect">
+            <a:avLst/>
+          </a:prstGeom>
+          <a:noFill/>
+          <a:ln>
+            <a:solidFill>
+              <a:schemeClr val="accent3">
+                <a:lumMod val="75000"/>
+              </a:schemeClr>
+            </a:solidFill>
+          </a:ln>
+        </p:spPr>
+        <p:style>
+          <a:lnRef idx="2">
+            <a:schemeClr val="accent6"/>
+          </a:lnRef>
+          <a:fillRef idx="1">
+            <a:schemeClr val="lt1"/>
+          </a:fillRef>
+          <a:effectRef idx="0">
+            <a:schemeClr val="accent6"/>
+          </a:effectRef>
+          <a:fontRef idx="minor">
+            <a:schemeClr val="dk1"/>
+          </a:fontRef>
+        </p:style>
+        <p:txBody>
+          <a:bodyPr rtlCol="0" anchor="ctr"/>
+          <a:lstStyle/>
+          <a:p>
+            <a:pPr algn="ctr"/>
+            <a:r>
+              <a:rPr lang="en-US" altLang="zh-CN" sz="1600" b="0" dirty="0" err="1">
+                <a:solidFill>
+                  <a:srgbClr val="CCCCCC"/>
+                </a:solidFill>
+                <a:effectLst/>
+                <a:latin typeface="Consolas" panose="020B0609020204030204" pitchFamily="49" charset="0"/>
+              </a:rPr>
+              <a:t>Shading_model_standard</a:t>
+            </a:r>
+            <a:r>
+              <a:rPr lang="en-US" altLang="zh-CN" sz="1600" b="0" dirty="0">
+                <a:solidFill>
+                  <a:srgbClr val="CCCCCC"/>
+                </a:solidFill>
+                <a:effectLst/>
+                <a:latin typeface="Consolas" panose="020B0609020204030204" pitchFamily="49" charset="0"/>
+              </a:rPr>
+              <a:t>: </a:t>
+            </a:r>
+            <a:r>
+              <a:rPr lang="en-US" altLang="zh-CN" sz="1600" b="0" dirty="0" err="1">
+                <a:solidFill>
+                  <a:srgbClr val="FFC000"/>
+                </a:solidFill>
+                <a:effectLst/>
+                <a:latin typeface="Consolas" panose="020B0609020204030204" pitchFamily="49" charset="0"/>
+              </a:rPr>
+              <a:t>surfaceShading</a:t>
+            </a:r>
+            <a:endParaRPr lang="en-US" altLang="zh-CN" sz="1600" b="0" dirty="0">
+              <a:solidFill>
+                <a:srgbClr val="FFC000"/>
+              </a:solidFill>
+              <a:effectLst/>
+              <a:latin typeface="Consolas" panose="020B0609020204030204" pitchFamily="49" charset="0"/>
+            </a:endParaRPr>
+          </a:p>
+        </p:txBody>
+      </p:sp>
+      <p:sp>
+        <p:nvSpPr>
+          <p:cNvPr id="11" name="Oval 10">
+            <a:extLst>
+              <a:ext uri="{FF2B5EF4-FFF2-40B4-BE49-F238E27FC236}">
+                <a16:creationId xmlns:a16="http://schemas.microsoft.com/office/drawing/2014/main" id="{1BAE565D-5840-D0B3-ACB4-77EEAF122FF3}"/>
+              </a:ext>
+            </a:extLst>
+          </p:cNvPr>
+          <p:cNvSpPr/>
+          <p:nvPr/>
+        </p:nvSpPr>
+        <p:spPr>
+          <a:xfrm>
+            <a:off x="9617061" y="2112012"/>
+            <a:ext cx="2022708" cy="344691"/>
+          </a:xfrm>
+          <a:prstGeom prst="ellipse">
+            <a:avLst/>
+          </a:prstGeom>
+          <a:noFill/>
+          <a:ln>
+            <a:solidFill>
+              <a:schemeClr val="accent3">
+                <a:lumMod val="75000"/>
+              </a:schemeClr>
+            </a:solidFill>
+          </a:ln>
+        </p:spPr>
+        <p:style>
+          <a:lnRef idx="2">
+            <a:schemeClr val="accent6"/>
+          </a:lnRef>
+          <a:fillRef idx="1">
+            <a:schemeClr val="lt1"/>
+          </a:fillRef>
+          <a:effectRef idx="0">
+            <a:schemeClr val="accent6"/>
+          </a:effectRef>
+          <a:fontRef idx="minor">
+            <a:schemeClr val="dk1"/>
+          </a:fontRef>
+        </p:style>
+        <p:txBody>
+          <a:bodyPr rtlCol="0" anchor="ctr"/>
+          <a:lstStyle/>
+          <a:p>
+            <a:r>
+              <a:rPr lang="en-US" altLang="zh-CN" sz="1600" b="0" dirty="0" err="1">
+                <a:solidFill>
+                  <a:srgbClr val="CCCCCC"/>
+                </a:solidFill>
+                <a:effectLst/>
+                <a:latin typeface="Consolas" panose="020B0609020204030204" pitchFamily="49" charset="0"/>
+              </a:rPr>
+              <a:t>evaluateIBL</a:t>
+            </a:r>
+            <a:endParaRPr lang="en-US" altLang="zh-CN" sz="1600" b="0" dirty="0">
+              <a:solidFill>
+                <a:srgbClr val="CCCCCC"/>
+              </a:solidFill>
+              <a:effectLst/>
+              <a:latin typeface="Consolas" panose="020B0609020204030204" pitchFamily="49" charset="0"/>
+            </a:endParaRPr>
+          </a:p>
+        </p:txBody>
+      </p:sp>
+      <p:sp>
+        <p:nvSpPr>
+          <p:cNvPr id="12" name="Oval 11">
+            <a:extLst>
+              <a:ext uri="{FF2B5EF4-FFF2-40B4-BE49-F238E27FC236}">
+                <a16:creationId xmlns:a16="http://schemas.microsoft.com/office/drawing/2014/main" id="{1253877F-D913-D632-27A8-2660A4E198B8}"/>
+              </a:ext>
+            </a:extLst>
+          </p:cNvPr>
+          <p:cNvSpPr/>
+          <p:nvPr/>
+        </p:nvSpPr>
+        <p:spPr>
+          <a:xfrm>
+            <a:off x="9540339" y="2612846"/>
+            <a:ext cx="2312994" cy="496640"/>
+          </a:xfrm>
+          <a:prstGeom prst="ellipse">
+            <a:avLst/>
+          </a:prstGeom>
+          <a:noFill/>
+          <a:ln>
+            <a:solidFill>
+              <a:schemeClr val="accent3">
+                <a:lumMod val="75000"/>
+              </a:schemeClr>
+            </a:solidFill>
+          </a:ln>
+        </p:spPr>
+        <p:style>
+          <a:lnRef idx="2">
+            <a:schemeClr val="accent6"/>
+          </a:lnRef>
+          <a:fillRef idx="1">
+            <a:schemeClr val="lt1"/>
+          </a:fillRef>
+          <a:effectRef idx="0">
+            <a:schemeClr val="accent6"/>
+          </a:effectRef>
+          <a:fontRef idx="minor">
+            <a:schemeClr val="dk1"/>
+          </a:fontRef>
+        </p:style>
+        <p:txBody>
+          <a:bodyPr rtlCol="0" anchor="ctr"/>
+          <a:lstStyle/>
+          <a:p>
+            <a:r>
+              <a:rPr lang="en-US" altLang="zh-CN" sz="1600" b="0" dirty="0" err="1">
+                <a:solidFill>
+                  <a:srgbClr val="CCCCCC"/>
+                </a:solidFill>
+                <a:effectLst/>
+                <a:latin typeface="Consolas" panose="020B0609020204030204" pitchFamily="49" charset="0"/>
+              </a:rPr>
+              <a:t>evaluateDirectionalLight</a:t>
+            </a:r>
+            <a:endParaRPr lang="en-US" altLang="zh-CN" sz="1600" b="0" dirty="0">
+              <a:solidFill>
+                <a:srgbClr val="CCCCCC"/>
+              </a:solidFill>
+              <a:effectLst/>
+              <a:latin typeface="Consolas" panose="020B0609020204030204" pitchFamily="49" charset="0"/>
+            </a:endParaRPr>
+          </a:p>
+        </p:txBody>
+      </p:sp>
+      <p:sp>
+        <p:nvSpPr>
+          <p:cNvPr id="13" name="Oval 12">
+            <a:extLst>
+              <a:ext uri="{FF2B5EF4-FFF2-40B4-BE49-F238E27FC236}">
+                <a16:creationId xmlns:a16="http://schemas.microsoft.com/office/drawing/2014/main" id="{0B941629-E38A-3019-23EA-04F831F337C1}"/>
+              </a:ext>
+            </a:extLst>
+          </p:cNvPr>
+          <p:cNvSpPr/>
+          <p:nvPr/>
+        </p:nvSpPr>
+        <p:spPr>
+          <a:xfrm>
+            <a:off x="9540339" y="3216106"/>
+            <a:ext cx="2312994" cy="496640"/>
+          </a:xfrm>
+          <a:prstGeom prst="ellipse">
+            <a:avLst/>
+          </a:prstGeom>
+          <a:noFill/>
+          <a:ln>
+            <a:solidFill>
+              <a:schemeClr val="accent3">
+                <a:lumMod val="75000"/>
+              </a:schemeClr>
+            </a:solidFill>
+          </a:ln>
+        </p:spPr>
+        <p:style>
+          <a:lnRef idx="2">
+            <a:schemeClr val="accent6"/>
+          </a:lnRef>
+          <a:fillRef idx="1">
+            <a:schemeClr val="lt1"/>
+          </a:fillRef>
+          <a:effectRef idx="0">
+            <a:schemeClr val="accent6"/>
+          </a:effectRef>
+          <a:fontRef idx="minor">
+            <a:schemeClr val="dk1"/>
+          </a:fontRef>
+        </p:style>
+        <p:txBody>
+          <a:bodyPr rtlCol="0" anchor="ctr"/>
+          <a:lstStyle/>
+          <a:p>
+            <a:r>
+              <a:rPr lang="en-US" altLang="zh-CN" sz="1600" b="0" dirty="0" err="1">
+                <a:solidFill>
+                  <a:srgbClr val="CCCCCC"/>
+                </a:solidFill>
+                <a:effectLst/>
+                <a:latin typeface="Consolas" panose="020B0609020204030204" pitchFamily="49" charset="0"/>
+              </a:rPr>
+              <a:t>evaluatePunctualLights</a:t>
+            </a:r>
+            <a:endParaRPr lang="en-US" altLang="zh-CN" sz="1600" b="0" dirty="0">
+              <a:solidFill>
+                <a:srgbClr val="CCCCCC"/>
+              </a:solidFill>
+              <a:effectLst/>
+              <a:latin typeface="Consolas" panose="020B0609020204030204" pitchFamily="49" charset="0"/>
+            </a:endParaRPr>
+          </a:p>
+        </p:txBody>
+      </p:sp>
+      <p:cxnSp>
+        <p:nvCxnSpPr>
+          <p:cNvPr id="14" name="Straight Arrow Connector 13">
+            <a:extLst>
+              <a:ext uri="{FF2B5EF4-FFF2-40B4-BE49-F238E27FC236}">
+                <a16:creationId xmlns:a16="http://schemas.microsoft.com/office/drawing/2014/main" id="{D0EAA174-92D9-C53E-0B6F-3ABF6EA8F508}"/>
+              </a:ext>
+            </a:extLst>
+          </p:cNvPr>
+          <p:cNvCxnSpPr>
+            <a:cxnSpLocks/>
+            <a:stCxn id="9" idx="3"/>
+            <a:endCxn id="11" idx="2"/>
+          </p:cNvCxnSpPr>
+          <p:nvPr/>
+        </p:nvCxnSpPr>
+        <p:spPr>
+          <a:xfrm flipV="1">
+            <a:off x="8567771" y="2284358"/>
+            <a:ext cx="1049290" cy="1108143"/>
+          </a:xfrm>
+          <a:prstGeom prst="straightConnector1">
+            <a:avLst/>
+          </a:prstGeom>
+          <a:ln w="19050">
+            <a:tailEnd type="none"/>
+          </a:ln>
+        </p:spPr>
+        <p:style>
+          <a:lnRef idx="1">
+            <a:schemeClr val="accent1"/>
+          </a:lnRef>
+          <a:fillRef idx="0">
+            <a:schemeClr val="accent1"/>
+          </a:fillRef>
+          <a:effectRef idx="0">
+            <a:schemeClr val="accent1"/>
+          </a:effectRef>
+          <a:fontRef idx="minor">
+            <a:schemeClr val="tx1"/>
+          </a:fontRef>
+        </p:style>
+      </p:cxnSp>
+      <p:cxnSp>
+        <p:nvCxnSpPr>
+          <p:cNvPr id="17" name="Straight Arrow Connector 16">
+            <a:extLst>
+              <a:ext uri="{FF2B5EF4-FFF2-40B4-BE49-F238E27FC236}">
+                <a16:creationId xmlns:a16="http://schemas.microsoft.com/office/drawing/2014/main" id="{F607D07C-ECCF-023B-1DA1-84B6B3668EA2}"/>
+              </a:ext>
+            </a:extLst>
+          </p:cNvPr>
+          <p:cNvCxnSpPr>
+            <a:cxnSpLocks/>
+            <a:stCxn id="9" idx="3"/>
+            <a:endCxn id="13" idx="2"/>
+          </p:cNvCxnSpPr>
+          <p:nvPr/>
+        </p:nvCxnSpPr>
+        <p:spPr>
+          <a:xfrm>
+            <a:off x="8567771" y="3392501"/>
+            <a:ext cx="972568" cy="71925"/>
+          </a:xfrm>
+          <a:prstGeom prst="straightConnector1">
+            <a:avLst/>
+          </a:prstGeom>
+          <a:ln w="19050">
+            <a:tailEnd type="none"/>
+          </a:ln>
+        </p:spPr>
+        <p:style>
+          <a:lnRef idx="1">
+            <a:schemeClr val="accent1"/>
+          </a:lnRef>
+          <a:fillRef idx="0">
+            <a:schemeClr val="accent1"/>
+          </a:fillRef>
+          <a:effectRef idx="0">
+            <a:schemeClr val="accent1"/>
+          </a:effectRef>
+          <a:fontRef idx="minor">
+            <a:schemeClr val="tx1"/>
+          </a:fontRef>
+        </p:style>
+      </p:cxnSp>
+      <p:cxnSp>
+        <p:nvCxnSpPr>
+          <p:cNvPr id="21" name="Straight Arrow Connector 20">
+            <a:extLst>
+              <a:ext uri="{FF2B5EF4-FFF2-40B4-BE49-F238E27FC236}">
+                <a16:creationId xmlns:a16="http://schemas.microsoft.com/office/drawing/2014/main" id="{E0C0B39E-02F7-72FF-ACBA-8454D1F60563}"/>
+              </a:ext>
+            </a:extLst>
+          </p:cNvPr>
+          <p:cNvCxnSpPr>
+            <a:cxnSpLocks/>
+            <a:stCxn id="9" idx="3"/>
+            <a:endCxn id="12" idx="2"/>
+          </p:cNvCxnSpPr>
+          <p:nvPr/>
+        </p:nvCxnSpPr>
+        <p:spPr>
+          <a:xfrm flipV="1">
+            <a:off x="8567771" y="2861166"/>
+            <a:ext cx="972568" cy="531335"/>
+          </a:xfrm>
+          <a:prstGeom prst="straightConnector1">
+            <a:avLst/>
+          </a:prstGeom>
+          <a:ln w="19050">
+            <a:tailEnd type="none"/>
+          </a:ln>
+        </p:spPr>
+        <p:style>
+          <a:lnRef idx="1">
+            <a:schemeClr val="accent1"/>
+          </a:lnRef>
+          <a:fillRef idx="0">
+            <a:schemeClr val="accent1"/>
+          </a:fillRef>
+          <a:effectRef idx="0">
+            <a:schemeClr val="accent1"/>
+          </a:effectRef>
+          <a:fontRef idx="minor">
+            <a:schemeClr val="tx1"/>
+          </a:fontRef>
+        </p:style>
+      </p:cxnSp>
+      <p:cxnSp>
+        <p:nvCxnSpPr>
+          <p:cNvPr id="26" name="Straight Arrow Connector 25">
+            <a:extLst>
+              <a:ext uri="{FF2B5EF4-FFF2-40B4-BE49-F238E27FC236}">
+                <a16:creationId xmlns:a16="http://schemas.microsoft.com/office/drawing/2014/main" id="{13800D2C-36FD-5DC1-FE8C-E9B2FD65B719}"/>
+              </a:ext>
+            </a:extLst>
+          </p:cNvPr>
+          <p:cNvCxnSpPr>
+            <a:cxnSpLocks/>
+            <a:stCxn id="6" idx="2"/>
+            <a:endCxn id="9" idx="0"/>
+          </p:cNvCxnSpPr>
+          <p:nvPr/>
+        </p:nvCxnSpPr>
+        <p:spPr>
+          <a:xfrm>
+            <a:off x="7479695" y="2002973"/>
+            <a:ext cx="0" cy="1141208"/>
+          </a:xfrm>
+          <a:prstGeom prst="straightConnector1">
+            <a:avLst/>
+          </a:prstGeom>
+          <a:ln w="19050">
+            <a:tailEnd type="triangle"/>
+          </a:ln>
+        </p:spPr>
+        <p:style>
+          <a:lnRef idx="1">
+            <a:schemeClr val="accent1"/>
+          </a:lnRef>
+          <a:fillRef idx="0">
+            <a:schemeClr val="accent1"/>
+          </a:fillRef>
+          <a:effectRef idx="0">
+            <a:schemeClr val="accent1"/>
+          </a:effectRef>
+          <a:fontRef idx="minor">
+            <a:schemeClr val="tx1"/>
+          </a:fontRef>
+        </p:style>
+      </p:cxnSp>
+      <p:cxnSp>
+        <p:nvCxnSpPr>
+          <p:cNvPr id="32" name="Straight Arrow Connector 31">
+            <a:extLst>
+              <a:ext uri="{FF2B5EF4-FFF2-40B4-BE49-F238E27FC236}">
+                <a16:creationId xmlns:a16="http://schemas.microsoft.com/office/drawing/2014/main" id="{CA491E5E-B306-ED22-8313-FC542DA784A2}"/>
+              </a:ext>
+            </a:extLst>
+          </p:cNvPr>
+          <p:cNvCxnSpPr>
+            <a:cxnSpLocks/>
+            <a:stCxn id="9" idx="2"/>
+            <a:endCxn id="10" idx="0"/>
+          </p:cNvCxnSpPr>
+          <p:nvPr/>
+        </p:nvCxnSpPr>
+        <p:spPr>
+          <a:xfrm>
+            <a:off x="7479695" y="3640821"/>
+            <a:ext cx="1289601" cy="1299899"/>
+          </a:xfrm>
+          <a:prstGeom prst="straightConnector1">
+            <a:avLst/>
+          </a:prstGeom>
+          <a:ln w="19050">
+            <a:tailEnd type="triangle"/>
+          </a:ln>
+        </p:spPr>
+        <p:style>
+          <a:lnRef idx="1">
+            <a:schemeClr val="accent1"/>
+          </a:lnRef>
+          <a:fillRef idx="0">
+            <a:schemeClr val="accent1"/>
+          </a:fillRef>
+          <a:effectRef idx="0">
+            <a:schemeClr val="accent1"/>
+          </a:effectRef>
+          <a:fontRef idx="minor">
+            <a:schemeClr val="tx1"/>
+          </a:fontRef>
+        </p:style>
+      </p:cxnSp>
+      <p:cxnSp>
+        <p:nvCxnSpPr>
+          <p:cNvPr id="37" name="Straight Arrow Connector 36">
+            <a:extLst>
+              <a:ext uri="{FF2B5EF4-FFF2-40B4-BE49-F238E27FC236}">
+                <a16:creationId xmlns:a16="http://schemas.microsoft.com/office/drawing/2014/main" id="{F38E5EC4-41F3-6636-832A-AE5BFE7B22AE}"/>
+              </a:ext>
+            </a:extLst>
+          </p:cNvPr>
+          <p:cNvCxnSpPr>
+            <a:cxnSpLocks/>
+            <a:endCxn id="6" idx="1"/>
+          </p:cNvCxnSpPr>
+          <p:nvPr/>
+        </p:nvCxnSpPr>
+        <p:spPr>
+          <a:xfrm flipV="1">
+            <a:off x="3227010" y="1754653"/>
+            <a:ext cx="3164609" cy="3397918"/>
+          </a:xfrm>
+          <a:prstGeom prst="straightConnector1">
+            <a:avLst/>
+          </a:prstGeom>
+          <a:ln w="19050">
+            <a:prstDash val="sysDot"/>
+            <a:tailEnd type="none"/>
+          </a:ln>
+        </p:spPr>
+        <p:style>
+          <a:lnRef idx="1">
+            <a:schemeClr val="accent1"/>
+          </a:lnRef>
+          <a:fillRef idx="0">
+            <a:schemeClr val="accent1"/>
+          </a:fillRef>
+          <a:effectRef idx="0">
+            <a:schemeClr val="accent1"/>
+          </a:effectRef>
+          <a:fontRef idx="minor">
+            <a:schemeClr val="tx1"/>
+          </a:fontRef>
+        </p:style>
+      </p:cxnSp>
+      <p:sp>
+        <p:nvSpPr>
+          <p:cNvPr id="40" name="TextBox 39">
+            <a:extLst>
+              <a:ext uri="{FF2B5EF4-FFF2-40B4-BE49-F238E27FC236}">
+                <a16:creationId xmlns:a16="http://schemas.microsoft.com/office/drawing/2014/main" id="{A72EADB9-18EA-2AA2-0C4A-6D50B41E9C5A}"/>
+              </a:ext>
+            </a:extLst>
+          </p:cNvPr>
+          <p:cNvSpPr txBox="1"/>
+          <p:nvPr/>
+        </p:nvSpPr>
+        <p:spPr>
+          <a:xfrm>
+            <a:off x="7829808" y="5799362"/>
+            <a:ext cx="3574505" cy="369332"/>
+          </a:xfrm>
+          <a:prstGeom prst="rect">
+            <a:avLst/>
+          </a:prstGeom>
+          <a:noFill/>
+        </p:spPr>
+        <p:txBody>
+          <a:bodyPr wrap="none" rtlCol="0">
+            <a:spAutoFit/>
+          </a:bodyPr>
+          <a:lstStyle/>
+          <a:p>
+            <a:r>
+              <a:rPr lang="en-US" altLang="zh-CN" b="1" i="1" dirty="0">
+                <a:solidFill>
+                  <a:srgbClr val="FF0000"/>
+                </a:solidFill>
+              </a:rPr>
+              <a:t>Possible user define shading model</a:t>
+            </a:r>
+            <a:endParaRPr lang="zh-CN" altLang="en-US" b="1" i="1" dirty="0">
+              <a:solidFill>
+                <a:srgbClr val="FF0000"/>
+              </a:solidFill>
+            </a:endParaRPr>
+          </a:p>
+        </p:txBody>
+      </p:sp>
+      <p:cxnSp>
+        <p:nvCxnSpPr>
+          <p:cNvPr id="41" name="Straight Arrow Connector 40">
+            <a:extLst>
+              <a:ext uri="{FF2B5EF4-FFF2-40B4-BE49-F238E27FC236}">
+                <a16:creationId xmlns:a16="http://schemas.microsoft.com/office/drawing/2014/main" id="{4F4ACA65-6139-DBFD-1444-1DC4AC5EDC60}"/>
+              </a:ext>
+            </a:extLst>
+          </p:cNvPr>
+          <p:cNvCxnSpPr>
+            <a:cxnSpLocks/>
+            <a:stCxn id="40" idx="0"/>
+          </p:cNvCxnSpPr>
+          <p:nvPr/>
+        </p:nvCxnSpPr>
+        <p:spPr>
+          <a:xfrm flipV="1">
+            <a:off x="9617061" y="5321905"/>
+            <a:ext cx="68806" cy="477457"/>
+          </a:xfrm>
+          <a:prstGeom prst="straightConnector1">
+            <a:avLst/>
+          </a:prstGeom>
+          <a:ln w="19050">
+            <a:prstDash val="sysDot"/>
+            <a:tailEnd type="none"/>
+          </a:ln>
+        </p:spPr>
+        <p:style>
+          <a:lnRef idx="1">
+            <a:schemeClr val="accent1"/>
+          </a:lnRef>
+          <a:fillRef idx="0">
+            <a:schemeClr val="accent1"/>
+          </a:fillRef>
+          <a:effectRef idx="0">
+            <a:schemeClr val="accent1"/>
+          </a:effectRef>
+          <a:fontRef idx="minor">
+            <a:schemeClr val="tx1"/>
+          </a:fontRef>
+        </p:style>
+      </p:cxnSp>
     </p:spTree>
     <p:extLst>
       <p:ext uri="{BB962C8B-B14F-4D97-AF65-F5344CB8AC3E}">
-        <p14:creationId xmlns:p14="http://schemas.microsoft.com/office/powerpoint/2010/main" val="1730353572"/>
+        <p14:creationId xmlns:p14="http://schemas.microsoft.com/office/powerpoint/2010/main" val="82095764"/>
       </p:ext>
     </p:extLst>
   </p:cSld>
@@ -12747,7 +14431,7 @@
           <p:cNvPr id="2" name="Title 1">
             <a:extLst>
               <a:ext uri="{FF2B5EF4-FFF2-40B4-BE49-F238E27FC236}">
-                <a16:creationId xmlns:a16="http://schemas.microsoft.com/office/drawing/2014/main" id="{846400BF-72A6-8208-6ED7-8DEEEAA1F066}"/>
+                <a16:creationId xmlns:a16="http://schemas.microsoft.com/office/drawing/2014/main" id="{05CFA11F-C957-7439-3236-16902436D23B}"/>
               </a:ext>
             </a:extLst>
           </p:cNvPr>
@@ -12764,8 +14448,12 @@
           <a:lstStyle/>
           <a:p>
             <a:r>
-              <a:rPr lang="en-US" altLang="zh-CN" dirty="0"/>
-              <a:t>Table of content</a:t>
+              <a:rPr lang="en-US" altLang="zh-CN" dirty="0" err="1"/>
+              <a:t>resgen</a:t>
+            </a:r>
+            <a:r>
+              <a:rPr lang="en-US" altLang="zh-CN" dirty="0"/>
+              <a:t> tools</a:t>
             </a:r>
             <a:endParaRPr lang="zh-CN" altLang="en-US" dirty="0"/>
           </a:p>
@@ -12776,7 +14464,7 @@
           <p:cNvPr id="3" name="Content Placeholder 2">
             <a:extLst>
               <a:ext uri="{FF2B5EF4-FFF2-40B4-BE49-F238E27FC236}">
-                <a16:creationId xmlns:a16="http://schemas.microsoft.com/office/drawing/2014/main" id="{06086A31-1F19-8D0A-6017-AD87D1C1DD88}"/>
+                <a16:creationId xmlns:a16="http://schemas.microsoft.com/office/drawing/2014/main" id="{066DA7B1-01F2-55EA-236E-57A9007B7D79}"/>
               </a:ext>
             </a:extLst>
           </p:cNvPr>
@@ -12789,35 +14477,50 @@
         </p:nvSpPr>
         <p:spPr/>
         <p:txBody>
-          <a:bodyPr>
-            <a:normAutofit/>
-          </a:bodyPr>
-          <a:lstStyle/>
-          <a:p>
-            <a:r>
-              <a:rPr lang="en-US" altLang="zh-CN" dirty="0"/>
-              <a:t>Concept of material, variant, shading model, mesh, </a:t>
+          <a:bodyPr/>
+          <a:lstStyle/>
+          <a:p>
+            <a:r>
+              <a:rPr lang="en-US" altLang="zh-CN" dirty="0"/>
+              <a:t>Combine many input file to one binary file</a:t>
+            </a:r>
+          </a:p>
+          <a:p>
+            <a:r>
+              <a:rPr lang="en-US" altLang="zh-CN" dirty="0"/>
+              <a:t>.bin file contain the content</a:t>
+            </a:r>
+          </a:p>
+          <a:p>
+            <a:r>
+              <a:rPr lang="en-US" altLang="zh-CN" dirty="0"/>
+              <a:t>.h file to declare the {offset, size} of each input file in bin file</a:t>
+            </a:r>
+          </a:p>
+          <a:p>
+            <a:r>
+              <a:rPr lang="en-US" altLang="zh-CN" dirty="0"/>
+              <a:t>.S file is assemble text file define the {offset, size} variables</a:t>
+            </a:r>
+          </a:p>
+          <a:p>
+            <a:r>
+              <a:rPr lang="en-US" altLang="zh-CN" dirty="0"/>
+              <a:t>.</a:t>
             </a:r>
             <a:r>
               <a:rPr lang="en-US" altLang="zh-CN" dirty="0" err="1"/>
-              <a:t>renderable</a:t>
-            </a:r>
-            <a:endParaRPr lang="en-US" altLang="zh-CN" dirty="0"/>
-          </a:p>
-          <a:p>
-            <a:r>
-              <a:rPr lang="en-US" altLang="zh-CN" dirty="0"/>
-              <a:t>Material system and workflow, mat define and offline tools</a:t>
-            </a:r>
-          </a:p>
-          <a:p>
-            <a:r>
-              <a:rPr lang="en-US" altLang="zh-CN" dirty="0">
-                <a:solidFill>
-                  <a:srgbClr val="FFC000"/>
-                </a:solidFill>
-              </a:rPr>
-              <a:t>Material system algorithm</a:t>
+              <a:t>apple.S</a:t>
+            </a:r>
+            <a:r>
+              <a:rPr lang="en-US" altLang="zh-CN" dirty="0"/>
+              <a:t> file is apple assemble text file format</a:t>
+            </a:r>
+          </a:p>
+          <a:p>
+            <a:r>
+              <a:rPr lang="en-US" altLang="zh-CN" dirty="0"/>
+              <a:t>.c file is uint8 buffer of file binary content</a:t>
             </a:r>
           </a:p>
         </p:txBody>
@@ -12825,7 +14528,7 @@
     </p:spTree>
     <p:extLst>
       <p:ext uri="{BB962C8B-B14F-4D97-AF65-F5344CB8AC3E}">
-        <p14:creationId xmlns:p14="http://schemas.microsoft.com/office/powerpoint/2010/main" val="2996611184"/>
+        <p14:creationId xmlns:p14="http://schemas.microsoft.com/office/powerpoint/2010/main" val="3513949728"/>
       </p:ext>
     </p:extLst>
   </p:cSld>
@@ -12857,7 +14560,7 @@
           <p:cNvPr id="2" name="Title 1">
             <a:extLst>
               <a:ext uri="{FF2B5EF4-FFF2-40B4-BE49-F238E27FC236}">
-                <a16:creationId xmlns:a16="http://schemas.microsoft.com/office/drawing/2014/main" id="{758B4CBB-86CD-CD54-E207-5CD216D61EA2}"/>
+                <a16:creationId xmlns:a16="http://schemas.microsoft.com/office/drawing/2014/main" id="{2AB77840-C251-E8B0-B229-CF63F58D339C}"/>
               </a:ext>
             </a:extLst>
           </p:cNvPr>
@@ -12870,12 +14573,14 @@
         </p:nvSpPr>
         <p:spPr/>
         <p:txBody>
-          <a:bodyPr/>
-          <a:lstStyle/>
-          <a:p>
-            <a:r>
-              <a:rPr lang="en-US" altLang="zh-CN" dirty="0"/>
-              <a:t>algorithm</a:t>
+          <a:bodyPr>
+            <a:normAutofit fontScale="90000"/>
+          </a:bodyPr>
+          <a:lstStyle/>
+          <a:p>
+            <a:r>
+              <a:rPr lang="en-US" altLang="zh-CN" dirty="0"/>
+              <a:t>Example: rendering using programmatically define material</a:t>
             </a:r>
             <a:endParaRPr lang="zh-CN" altLang="en-US" dirty="0"/>
           </a:p>
@@ -12886,7 +14591,7 @@
           <p:cNvPr id="3" name="Content Placeholder 2">
             <a:extLst>
               <a:ext uri="{FF2B5EF4-FFF2-40B4-BE49-F238E27FC236}">
-                <a16:creationId xmlns:a16="http://schemas.microsoft.com/office/drawing/2014/main" id="{01267A1C-DFB7-A668-194D-826B944ED157}"/>
+                <a16:creationId xmlns:a16="http://schemas.microsoft.com/office/drawing/2014/main" id="{B5CC53E9-4B11-8B26-503F-35D0EAACA0E4}"/>
               </a:ext>
             </a:extLst>
           </p:cNvPr>
@@ -12897,151 +14602,95 @@
             <p:ph idx="1"/>
           </p:nvPr>
         </p:nvSpPr>
-        <p:spPr>
-          <a:xfrm>
-            <a:off x="1120000" y="1825625"/>
-            <a:ext cx="10233800" cy="4526794"/>
-          </a:xfrm>
-        </p:spPr>
+        <p:spPr/>
         <p:txBody>
           <a:bodyPr>
-            <a:normAutofit fontScale="62500" lnSpcReduction="20000"/>
+            <a:normAutofit fontScale="85000" lnSpcReduction="20000"/>
           </a:bodyPr>
           <a:lstStyle/>
           <a:p>
             <a:r>
               <a:rPr lang="en-US" altLang="zh-CN" dirty="0"/>
-              <a:t>Material shading model algorithm</a:t>
-            </a:r>
-          </a:p>
-          <a:p>
-            <a:pPr lvl="1"/>
-            <a:r>
-              <a:rPr lang="en-US" altLang="zh-CN" dirty="0"/>
-              <a:t>Standard micro surface model with GGX</a:t>
-            </a:r>
-          </a:p>
-          <a:p>
-            <a:pPr lvl="2"/>
-            <a:r>
-              <a:rPr lang="en-US" altLang="zh-CN" dirty="0"/>
-              <a:t>Anisotropic model,  layered model: clear coat</a:t>
-            </a:r>
-          </a:p>
-          <a:p>
-            <a:pPr lvl="1"/>
-            <a:r>
-              <a:rPr lang="en-US" altLang="zh-CN" dirty="0"/>
-              <a:t>SSS</a:t>
-            </a:r>
-          </a:p>
-          <a:p>
-            <a:pPr lvl="1"/>
-            <a:r>
-              <a:rPr lang="en-US" altLang="zh-CN" dirty="0"/>
-              <a:t>cloth</a:t>
-            </a:r>
-          </a:p>
-          <a:p>
-            <a:r>
-              <a:rPr lang="en-US" altLang="zh-CN" dirty="0"/>
-              <a:t>Light and shadow algorithm</a:t>
-            </a:r>
-          </a:p>
-          <a:p>
-            <a:pPr lvl="1"/>
-            <a:r>
-              <a:rPr lang="en-US" altLang="zh-CN" dirty="0"/>
-              <a:t>Unlit</a:t>
-            </a:r>
-          </a:p>
-          <a:p>
-            <a:pPr lvl="1"/>
-            <a:r>
-              <a:rPr lang="en-US" altLang="zh-CN" dirty="0"/>
-              <a:t>Direct light: directional, punctual, area, photometric</a:t>
-            </a:r>
-          </a:p>
-          <a:p>
-            <a:pPr lvl="1"/>
-            <a:r>
-              <a:rPr lang="en-US" altLang="zh-CN" dirty="0"/>
-              <a:t>Indirect light:  IBL</a:t>
-            </a:r>
-          </a:p>
-          <a:p>
-            <a:pPr lvl="1"/>
-            <a:r>
-              <a:rPr lang="en-US" altLang="zh-CN" dirty="0"/>
-              <a:t>Static light</a:t>
-            </a:r>
-          </a:p>
-          <a:p>
-            <a:pPr lvl="1"/>
-            <a:r>
-              <a:rPr lang="en-US" altLang="zh-CN" dirty="0"/>
-              <a:t>dynamic light:  cluster to </a:t>
+              <a:t>1. programmatically define material</a:t>
+            </a:r>
+          </a:p>
+          <a:p>
+            <a:r>
+              <a:rPr lang="en-US" altLang="zh-CN" dirty="0"/>
+              <a:t>2. compile to package by </a:t>
             </a:r>
             <a:r>
               <a:rPr lang="en-US" altLang="zh-CN" dirty="0" err="1"/>
-              <a:t>froxel</a:t>
-            </a:r>
-            <a:endParaRPr lang="en-US" altLang="zh-CN" dirty="0"/>
-          </a:p>
-          <a:p>
-            <a:pPr lvl="1"/>
-            <a:r>
-              <a:rPr lang="en-US" altLang="zh-CN" dirty="0"/>
-              <a:t>Refraction: transparent and translucency light</a:t>
-            </a:r>
-          </a:p>
-          <a:p>
-            <a:pPr lvl="1"/>
-            <a:r>
-              <a:rPr lang="en-US" altLang="zh-CN" dirty="0"/>
-              <a:t>Reflection: </a:t>
-            </a:r>
-          </a:p>
-          <a:p>
-            <a:pPr lvl="1"/>
-            <a:r>
-              <a:rPr lang="en-US" altLang="zh-CN" dirty="0"/>
-              <a:t>Occlusion:</a:t>
-            </a:r>
-          </a:p>
-          <a:p>
-            <a:pPr lvl="1"/>
-            <a:r>
-              <a:rPr lang="en-US" altLang="zh-CN" dirty="0"/>
-              <a:t>Shadow: </a:t>
-            </a:r>
-          </a:p>
-          <a:p>
-            <a:r>
-              <a:rPr lang="en-US" altLang="zh-CN" dirty="0"/>
-              <a:t>Camera and post effect algorithm</a:t>
-            </a:r>
-          </a:p>
-          <a:p>
-            <a:pPr lvl="1"/>
-            <a:r>
-              <a:rPr lang="en-US" altLang="zh-CN" dirty="0"/>
-              <a:t>Overall: Exposure and bloom</a:t>
-            </a:r>
-          </a:p>
-          <a:p>
-            <a:pPr lvl="1"/>
-            <a:r>
-              <a:rPr lang="en-US" altLang="zh-CN" dirty="0"/>
-              <a:t>Lens: color fringe, lens flare</a:t>
-            </a:r>
-          </a:p>
-          <a:p>
-            <a:pPr lvl="1"/>
-            <a:r>
-              <a:rPr lang="en-US" altLang="zh-CN" dirty="0"/>
-              <a:t>Film post: contrast, curves, levels, color grading and tone mapping</a:t>
-            </a:r>
+              <a:t>MaterialBuilder</a:t>
+            </a:r>
+            <a:r>
+              <a:rPr lang="en-US" altLang="zh-CN" dirty="0"/>
+              <a:t> class</a:t>
+            </a:r>
+          </a:p>
+          <a:p>
+            <a:r>
+              <a:rPr lang="en-US" altLang="zh-CN" dirty="0"/>
+              <a:t>3. build material with package</a:t>
+            </a:r>
+          </a:p>
+          <a:p>
+            <a:r>
+              <a:rPr lang="en-US" altLang="zh-CN" dirty="0"/>
+              <a:t>4. create material instance mi</a:t>
+            </a:r>
+          </a:p>
+          <a:p>
+            <a:r>
+              <a:rPr lang="en-US" altLang="zh-CN" dirty="0"/>
+              <a:t>5. load textures</a:t>
+            </a:r>
+          </a:p>
+          <a:p>
+            <a:r>
+              <a:rPr lang="en-US" altLang="zh-CN" dirty="0"/>
+              <a:t>6. set textures to mi</a:t>
+            </a:r>
+          </a:p>
+          <a:p>
+            <a:r>
+              <a:rPr lang="en-US" altLang="zh-CN" dirty="0"/>
+              <a:t>7. build material dictionary by its name</a:t>
+            </a:r>
+          </a:p>
+          <a:p>
+            <a:r>
+              <a:rPr lang="en-US" altLang="zh-CN" dirty="0"/>
+              <a:t>7. load mesh,  set material with mesh material name</a:t>
+            </a:r>
+          </a:p>
+          <a:p>
+            <a:r>
+              <a:rPr lang="en-US" altLang="zh-CN" dirty="0"/>
+              <a:t>8. create </a:t>
+            </a:r>
+            <a:r>
+              <a:rPr lang="en-US" altLang="zh-CN" dirty="0" err="1"/>
+              <a:t>renderable</a:t>
+            </a:r>
+            <a:r>
+              <a:rPr lang="en-US" altLang="zh-CN" dirty="0"/>
+              <a:t> and add to scene</a:t>
+            </a:r>
+          </a:p>
+          <a:p>
+            <a:r>
+              <a:rPr lang="en-US" altLang="zh-CN" dirty="0"/>
+              <a:t>9. add light to scene</a:t>
+            </a:r>
+          </a:p>
+          <a:p>
+            <a:r>
+              <a:rPr lang="en-US" altLang="zh-CN" dirty="0"/>
+              <a:t>10. render</a:t>
+            </a:r>
+          </a:p>
+          <a:p>
             <a:endParaRPr lang="zh-CN" altLang="en-US" dirty="0"/>
           </a:p>
         </p:txBody>
@@ -13051,7 +14700,7 @@
           <p:cNvPr id="5" name="TextBox 4">
             <a:extLst>
               <a:ext uri="{FF2B5EF4-FFF2-40B4-BE49-F238E27FC236}">
-                <a16:creationId xmlns:a16="http://schemas.microsoft.com/office/drawing/2014/main" id="{A502AF66-1731-5BAD-CDB0-E72440088818}"/>
+                <a16:creationId xmlns:a16="http://schemas.microsoft.com/office/drawing/2014/main" id="{C32745BF-D0D6-3357-9041-9AE2726E19BA}"/>
               </a:ext>
             </a:extLst>
           </p:cNvPr>
@@ -13060,8 +14709,8 @@
         </p:nvSpPr>
         <p:spPr>
           <a:xfrm>
-            <a:off x="140900" y="6419334"/>
-            <a:ext cx="6096000" cy="369332"/>
+            <a:off x="111275" y="6406625"/>
+            <a:ext cx="7987695" cy="369332"/>
           </a:xfrm>
           <a:prstGeom prst="rect">
             <a:avLst/>
@@ -13076,42 +14725,7 @@
           <a:p>
             <a:r>
               <a:rPr lang="zh-CN" altLang="en-US" dirty="0"/>
-              <a:t>https://google.github.io/filament/Filament.html</a:t>
-            </a:r>
-          </a:p>
-        </p:txBody>
-      </p:sp>
-      <p:sp>
-        <p:nvSpPr>
-          <p:cNvPr id="7" name="TextBox 6">
-            <a:extLst>
-              <a:ext uri="{FF2B5EF4-FFF2-40B4-BE49-F238E27FC236}">
-                <a16:creationId xmlns:a16="http://schemas.microsoft.com/office/drawing/2014/main" id="{3166EAB7-F4C8-E091-35D9-BF310E9BCD38}"/>
-              </a:ext>
-            </a:extLst>
-          </p:cNvPr>
-          <p:cNvSpPr txBox="1"/>
-          <p:nvPr/>
-        </p:nvSpPr>
-        <p:spPr>
-          <a:xfrm>
-            <a:off x="6978831" y="1690688"/>
-            <a:ext cx="5005131" cy="646331"/>
-          </a:xfrm>
-          <a:prstGeom prst="rect">
-            <a:avLst/>
-          </a:prstGeom>
-          <a:noFill/>
-        </p:spPr>
-        <p:txBody>
-          <a:bodyPr wrap="square">
-            <a:spAutoFit/>
-          </a:bodyPr>
-          <a:lstStyle/>
-          <a:p>
-            <a:r>
-              <a:rPr lang="zh-CN" altLang="en-US" dirty="0"/>
-              <a:t>https://registry.khronos.org/glTF/specs/2.0/glTF-2.0.html#appendix-b-brdf-implementation</a:t>
+              <a:t>https://github.com/google/filament/blob/main/samples/sample_full_pbr.cpp</a:t>
             </a:r>
           </a:p>
         </p:txBody>
@@ -13119,7 +14733,7 @@
     </p:spTree>
     <p:extLst>
       <p:ext uri="{BB962C8B-B14F-4D97-AF65-F5344CB8AC3E}">
-        <p14:creationId xmlns:p14="http://schemas.microsoft.com/office/powerpoint/2010/main" val="4035428937"/>
+        <p14:creationId xmlns:p14="http://schemas.microsoft.com/office/powerpoint/2010/main" val="1730353572"/>
       </p:ext>
     </p:extLst>
   </p:cSld>
@@ -13151,7 +14765,7 @@
           <p:cNvPr id="2" name="Title 1">
             <a:extLst>
               <a:ext uri="{FF2B5EF4-FFF2-40B4-BE49-F238E27FC236}">
-                <a16:creationId xmlns:a16="http://schemas.microsoft.com/office/drawing/2014/main" id="{4AC0624C-8F58-7B1B-0C7A-33893CDC3D40}"/>
+                <a16:creationId xmlns:a16="http://schemas.microsoft.com/office/drawing/2014/main" id="{846400BF-72A6-8208-6ED7-8DEEEAA1F066}"/>
               </a:ext>
             </a:extLst>
           </p:cNvPr>
@@ -13169,7 +14783,7 @@
           <a:p>
             <a:r>
               <a:rPr lang="en-US" altLang="zh-CN" dirty="0"/>
-              <a:t>issues</a:t>
+              <a:t>Table of content</a:t>
             </a:r>
             <a:endParaRPr lang="zh-CN" altLang="en-US" dirty="0"/>
           </a:p>
@@ -13180,7 +14794,7 @@
           <p:cNvPr id="3" name="Content Placeholder 2">
             <a:extLst>
               <a:ext uri="{FF2B5EF4-FFF2-40B4-BE49-F238E27FC236}">
-                <a16:creationId xmlns:a16="http://schemas.microsoft.com/office/drawing/2014/main" id="{EB401A20-52C5-CEC0-08AC-06EA3A3D5358}"/>
+                <a16:creationId xmlns:a16="http://schemas.microsoft.com/office/drawing/2014/main" id="{06086A31-1F19-8D0A-6017-AD87D1C1DD88}"/>
               </a:ext>
             </a:extLst>
           </p:cNvPr>
@@ -13193,53 +14807,43 @@
         </p:nvSpPr>
         <p:spPr/>
         <p:txBody>
-          <a:bodyPr/>
-          <a:lstStyle/>
-          <a:p>
-            <a:r>
-              <a:rPr lang="en-US" altLang="zh-CN" dirty="0"/>
-              <a:t>Offline node graph tools to generate user shader?</a:t>
-            </a:r>
-          </a:p>
-          <a:p>
-            <a:r>
-              <a:rPr lang="en-US" altLang="zh-CN" dirty="0"/>
-              <a:t>BTDF ?</a:t>
-            </a:r>
-          </a:p>
-          <a:p>
-            <a:r>
-              <a:rPr lang="en-US" altLang="zh-CN" dirty="0"/>
-              <a:t>Volume ?</a:t>
-            </a:r>
-          </a:p>
-          <a:p>
-            <a:r>
-              <a:rPr lang="en-US" altLang="zh-CN" dirty="0"/>
-              <a:t>Ray tracing shader ?</a:t>
-            </a:r>
-          </a:p>
-          <a:p>
-            <a:r>
-              <a:rPr lang="en-US" altLang="zh-CN" dirty="0"/>
-              <a:t>Offline or online shader generation?</a:t>
-            </a:r>
-          </a:p>
-          <a:p>
-            <a:r>
-              <a:rPr lang="en-US" altLang="zh-CN" dirty="0"/>
-              <a:t>How many capacity need exposure to user</a:t>
-            </a:r>
-          </a:p>
-          <a:p>
-            <a:endParaRPr lang="zh-CN" altLang="en-US" dirty="0"/>
+          <a:bodyPr>
+            <a:normAutofit/>
+          </a:bodyPr>
+          <a:lstStyle/>
+          <a:p>
+            <a:r>
+              <a:rPr lang="en-US" altLang="zh-CN" dirty="0"/>
+              <a:t>Concept of material, variant, shading model, mesh, </a:t>
+            </a:r>
+            <a:r>
+              <a:rPr lang="en-US" altLang="zh-CN" dirty="0" err="1"/>
+              <a:t>renderable</a:t>
+            </a:r>
+            <a:endParaRPr lang="en-US" altLang="zh-CN" dirty="0"/>
+          </a:p>
+          <a:p>
+            <a:r>
+              <a:rPr lang="en-US" altLang="zh-CN" dirty="0"/>
+              <a:t>Material system and workflow, mat define and offline tools</a:t>
+            </a:r>
+          </a:p>
+          <a:p>
+            <a:r>
+              <a:rPr lang="en-US" altLang="zh-CN" dirty="0">
+                <a:solidFill>
+                  <a:srgbClr val="FFC000"/>
+                </a:solidFill>
+              </a:rPr>
+              <a:t>Material system algorithm</a:t>
+            </a:r>
           </a:p>
         </p:txBody>
       </p:sp>
     </p:spTree>
     <p:extLst>
       <p:ext uri="{BB962C8B-B14F-4D97-AF65-F5344CB8AC3E}">
-        <p14:creationId xmlns:p14="http://schemas.microsoft.com/office/powerpoint/2010/main" val="4061288897"/>
+        <p14:creationId xmlns:p14="http://schemas.microsoft.com/office/powerpoint/2010/main" val="2996611184"/>
       </p:ext>
     </p:extLst>
   </p:cSld>
@@ -13271,7 +14875,7 @@
           <p:cNvPr id="2" name="Title 1">
             <a:extLst>
               <a:ext uri="{FF2B5EF4-FFF2-40B4-BE49-F238E27FC236}">
-                <a16:creationId xmlns:a16="http://schemas.microsoft.com/office/drawing/2014/main" id="{9FF56B52-0427-2886-9447-5C642EF5AF8B}"/>
+                <a16:creationId xmlns:a16="http://schemas.microsoft.com/office/drawing/2014/main" id="{758B4CBB-86CD-CD54-E207-5CD216D61EA2}"/>
               </a:ext>
             </a:extLst>
           </p:cNvPr>
@@ -13289,7 +14893,7 @@
           <a:p>
             <a:r>
               <a:rPr lang="en-US" altLang="zh-CN" dirty="0"/>
-              <a:t>Further reading</a:t>
+              <a:t>algorithm</a:t>
             </a:r>
             <a:endParaRPr lang="zh-CN" altLang="en-US" dirty="0"/>
           </a:p>
@@ -13300,7 +14904,7 @@
           <p:cNvPr id="3" name="Content Placeholder 2">
             <a:extLst>
               <a:ext uri="{FF2B5EF4-FFF2-40B4-BE49-F238E27FC236}">
-                <a16:creationId xmlns:a16="http://schemas.microsoft.com/office/drawing/2014/main" id="{5B25B384-6F5F-D81E-FE35-3085126DA681}"/>
+                <a16:creationId xmlns:a16="http://schemas.microsoft.com/office/drawing/2014/main" id="{01267A1C-DFB7-A668-194D-826B944ED157}"/>
               </a:ext>
             </a:extLst>
           </p:cNvPr>
@@ -13311,63 +14915,229 @@
             <p:ph idx="1"/>
           </p:nvPr>
         </p:nvSpPr>
-        <p:spPr/>
-        <p:txBody>
-          <a:bodyPr/>
-          <a:lstStyle/>
-          <a:p>
-            <a:r>
-              <a:rPr lang="en-US" altLang="zh-CN" dirty="0"/>
-              <a:t>Pixar </a:t>
+        <p:spPr>
+          <a:xfrm>
+            <a:off x="1120000" y="1825625"/>
+            <a:ext cx="10233800" cy="4526794"/>
+          </a:xfrm>
+        </p:spPr>
+        <p:txBody>
+          <a:bodyPr>
+            <a:normAutofit fontScale="62500" lnSpcReduction="20000"/>
+          </a:bodyPr>
+          <a:lstStyle/>
+          <a:p>
+            <a:r>
+              <a:rPr lang="en-US" altLang="zh-CN" dirty="0"/>
+              <a:t>Material shading model algorithm</a:t>
+            </a:r>
+          </a:p>
+          <a:p>
+            <a:pPr lvl="1"/>
+            <a:r>
+              <a:rPr lang="en-US" altLang="zh-CN" dirty="0"/>
+              <a:t>Standard micro surface model with GGX</a:t>
+            </a:r>
+          </a:p>
+          <a:p>
+            <a:pPr lvl="2"/>
+            <a:r>
+              <a:rPr lang="en-US" altLang="zh-CN" dirty="0"/>
+              <a:t>Anisotropic model,  layered model: clear coat</a:t>
+            </a:r>
+          </a:p>
+          <a:p>
+            <a:pPr lvl="1"/>
+            <a:r>
+              <a:rPr lang="en-US" altLang="zh-CN" dirty="0"/>
+              <a:t>SSS</a:t>
+            </a:r>
+          </a:p>
+          <a:p>
+            <a:pPr lvl="1"/>
+            <a:r>
+              <a:rPr lang="en-US" altLang="zh-CN" dirty="0"/>
+              <a:t>cloth</a:t>
+            </a:r>
+          </a:p>
+          <a:p>
+            <a:r>
+              <a:rPr lang="en-US" altLang="zh-CN" dirty="0"/>
+              <a:t>Light and shadow algorithm</a:t>
+            </a:r>
+          </a:p>
+          <a:p>
+            <a:pPr lvl="1"/>
+            <a:r>
+              <a:rPr lang="en-US" altLang="zh-CN" dirty="0"/>
+              <a:t>Unlit</a:t>
+            </a:r>
+          </a:p>
+          <a:p>
+            <a:pPr lvl="1"/>
+            <a:r>
+              <a:rPr lang="en-US" altLang="zh-CN" dirty="0"/>
+              <a:t>Direct light: directional, punctual, area, photometric</a:t>
+            </a:r>
+          </a:p>
+          <a:p>
+            <a:pPr lvl="1"/>
+            <a:r>
+              <a:rPr lang="en-US" altLang="zh-CN" dirty="0"/>
+              <a:t>Indirect light:  IBL</a:t>
+            </a:r>
+          </a:p>
+          <a:p>
+            <a:pPr lvl="1"/>
+            <a:r>
+              <a:rPr lang="en-US" altLang="zh-CN" dirty="0"/>
+              <a:t>Static light</a:t>
+            </a:r>
+          </a:p>
+          <a:p>
+            <a:pPr lvl="1"/>
+            <a:r>
+              <a:rPr lang="en-US" altLang="zh-CN" dirty="0"/>
+              <a:t>dynamic light:  cluster to </a:t>
             </a:r>
             <a:r>
               <a:rPr lang="en-US" altLang="zh-CN" dirty="0" err="1"/>
-              <a:t>OpenUSD</a:t>
-            </a:r>
-            <a:r>
-              <a:rPr lang="en-US" altLang="zh-CN" dirty="0"/>
-              <a:t> file format of material define</a:t>
-            </a:r>
-          </a:p>
-          <a:p>
-            <a:r>
-              <a:rPr lang="en-US" altLang="zh-CN" dirty="0"/>
-              <a:t>Nvidia material define language</a:t>
-            </a:r>
-          </a:p>
-          <a:p>
-            <a:r>
-              <a:rPr lang="en-US" altLang="zh-CN" dirty="0" err="1"/>
-              <a:t>glTF</a:t>
-            </a:r>
-            <a:r>
-              <a:rPr lang="en-US" altLang="zh-CN" dirty="0"/>
-              <a:t> material and extensions</a:t>
-            </a:r>
-          </a:p>
-          <a:p>
-            <a:r>
-              <a:rPr lang="en-US" altLang="zh-CN" dirty="0" err="1"/>
-              <a:t>MaterialX</a:t>
-            </a:r>
-            <a:r>
-              <a:rPr lang="en-US" altLang="zh-CN" dirty="0"/>
-              <a:t> lib</a:t>
-            </a:r>
-          </a:p>
-          <a:p>
-            <a:r>
-              <a:rPr lang="en-US" altLang="zh-CN" dirty="0"/>
-              <a:t>Unreal shader graph tools</a:t>
+              <a:t>froxel</a:t>
+            </a:r>
+            <a:endParaRPr lang="en-US" altLang="zh-CN" dirty="0"/>
+          </a:p>
+          <a:p>
+            <a:pPr lvl="1"/>
+            <a:r>
+              <a:rPr lang="en-US" altLang="zh-CN" dirty="0"/>
+              <a:t>Refraction: transparent and translucency light</a:t>
+            </a:r>
+          </a:p>
+          <a:p>
+            <a:pPr lvl="1"/>
+            <a:r>
+              <a:rPr lang="en-US" altLang="zh-CN" dirty="0"/>
+              <a:t>Reflection: </a:t>
+            </a:r>
+          </a:p>
+          <a:p>
+            <a:pPr lvl="1"/>
+            <a:r>
+              <a:rPr lang="en-US" altLang="zh-CN" dirty="0"/>
+              <a:t>Occlusion:</a:t>
+            </a:r>
+          </a:p>
+          <a:p>
+            <a:pPr lvl="1"/>
+            <a:r>
+              <a:rPr lang="en-US" altLang="zh-CN" dirty="0"/>
+              <a:t>Shadow: </a:t>
+            </a:r>
+          </a:p>
+          <a:p>
+            <a:r>
+              <a:rPr lang="en-US" altLang="zh-CN" dirty="0"/>
+              <a:t>Camera and post effect algorithm</a:t>
+            </a:r>
+          </a:p>
+          <a:p>
+            <a:pPr lvl="1"/>
+            <a:r>
+              <a:rPr lang="en-US" altLang="zh-CN" dirty="0"/>
+              <a:t>Overall: Exposure and bloom</a:t>
+            </a:r>
+          </a:p>
+          <a:p>
+            <a:pPr lvl="1"/>
+            <a:r>
+              <a:rPr lang="en-US" altLang="zh-CN" dirty="0"/>
+              <a:t>Lens: color fringe, lens flare</a:t>
+            </a:r>
+          </a:p>
+          <a:p>
+            <a:pPr lvl="1"/>
+            <a:r>
+              <a:rPr lang="en-US" altLang="zh-CN" dirty="0"/>
+              <a:t>Film post: contrast, curves, levels, color grading and tone mapping</a:t>
             </a:r>
             <a:endParaRPr lang="zh-CN" altLang="en-US" dirty="0"/>
+          </a:p>
+        </p:txBody>
+      </p:sp>
+      <p:sp>
+        <p:nvSpPr>
+          <p:cNvPr id="5" name="TextBox 4">
+            <a:extLst>
+              <a:ext uri="{FF2B5EF4-FFF2-40B4-BE49-F238E27FC236}">
+                <a16:creationId xmlns:a16="http://schemas.microsoft.com/office/drawing/2014/main" id="{A502AF66-1731-5BAD-CDB0-E72440088818}"/>
+              </a:ext>
+            </a:extLst>
+          </p:cNvPr>
+          <p:cNvSpPr txBox="1"/>
+          <p:nvPr/>
+        </p:nvSpPr>
+        <p:spPr>
+          <a:xfrm>
+            <a:off x="140900" y="6419334"/>
+            <a:ext cx="6096000" cy="369332"/>
+          </a:xfrm>
+          <a:prstGeom prst="rect">
+            <a:avLst/>
+          </a:prstGeom>
+          <a:noFill/>
+        </p:spPr>
+        <p:txBody>
+          <a:bodyPr wrap="square">
+            <a:spAutoFit/>
+          </a:bodyPr>
+          <a:lstStyle/>
+          <a:p>
+            <a:r>
+              <a:rPr lang="zh-CN" altLang="en-US" dirty="0"/>
+              <a:t>https://google.github.io/filament/Filament.html</a:t>
+            </a:r>
+          </a:p>
+        </p:txBody>
+      </p:sp>
+      <p:sp>
+        <p:nvSpPr>
+          <p:cNvPr id="7" name="TextBox 6">
+            <a:extLst>
+              <a:ext uri="{FF2B5EF4-FFF2-40B4-BE49-F238E27FC236}">
+                <a16:creationId xmlns:a16="http://schemas.microsoft.com/office/drawing/2014/main" id="{3166EAB7-F4C8-E091-35D9-BF310E9BCD38}"/>
+              </a:ext>
+            </a:extLst>
+          </p:cNvPr>
+          <p:cNvSpPr txBox="1"/>
+          <p:nvPr/>
+        </p:nvSpPr>
+        <p:spPr>
+          <a:xfrm>
+            <a:off x="6978831" y="1690688"/>
+            <a:ext cx="5005131" cy="646331"/>
+          </a:xfrm>
+          <a:prstGeom prst="rect">
+            <a:avLst/>
+          </a:prstGeom>
+          <a:noFill/>
+        </p:spPr>
+        <p:txBody>
+          <a:bodyPr wrap="square">
+            <a:spAutoFit/>
+          </a:bodyPr>
+          <a:lstStyle/>
+          <a:p>
+            <a:r>
+              <a:rPr lang="zh-CN" altLang="en-US" dirty="0"/>
+              <a:t>https://registry.khronos.org/glTF/specs/2.0/glTF-2.0.html#appendix-b-brdf-implementation</a:t>
+            </a:r>
           </a:p>
         </p:txBody>
       </p:sp>
     </p:spTree>
     <p:extLst>
       <p:ext uri="{BB962C8B-B14F-4D97-AF65-F5344CB8AC3E}">
-        <p14:creationId xmlns:p14="http://schemas.microsoft.com/office/powerpoint/2010/main" val="1648436074"/>
+        <p14:creationId xmlns:p14="http://schemas.microsoft.com/office/powerpoint/2010/main" val="4035428937"/>
       </p:ext>
     </p:extLst>
   </p:cSld>
@@ -14680,6 +16450,254 @@
 </p:sld>
 </file>
 
+<file path=ppt/slides/slide30.xml><?xml version="1.0" encoding="utf-8"?>
+<p:sld xmlns:a="http://schemas.openxmlformats.org/drawingml/2006/main" xmlns:r="http://schemas.openxmlformats.org/officeDocument/2006/relationships" xmlns:p="http://schemas.openxmlformats.org/presentationml/2006/main">
+  <p:cSld>
+    <p:spTree>
+      <p:nvGrpSpPr>
+        <p:cNvPr id="1" name=""/>
+        <p:cNvGrpSpPr/>
+        <p:nvPr/>
+      </p:nvGrpSpPr>
+      <p:grpSpPr>
+        <a:xfrm>
+          <a:off x="0" y="0"/>
+          <a:ext cx="0" cy="0"/>
+          <a:chOff x="0" y="0"/>
+          <a:chExt cx="0" cy="0"/>
+        </a:xfrm>
+      </p:grpSpPr>
+      <p:sp>
+        <p:nvSpPr>
+          <p:cNvPr id="2" name="Title 1">
+            <a:extLst>
+              <a:ext uri="{FF2B5EF4-FFF2-40B4-BE49-F238E27FC236}">
+                <a16:creationId xmlns:a16="http://schemas.microsoft.com/office/drawing/2014/main" id="{4AC0624C-8F58-7B1B-0C7A-33893CDC3D40}"/>
+              </a:ext>
+            </a:extLst>
+          </p:cNvPr>
+          <p:cNvSpPr>
+            <a:spLocks noGrp="1"/>
+          </p:cNvSpPr>
+          <p:nvPr>
+            <p:ph type="title"/>
+          </p:nvPr>
+        </p:nvSpPr>
+        <p:spPr/>
+        <p:txBody>
+          <a:bodyPr/>
+          <a:lstStyle/>
+          <a:p>
+            <a:r>
+              <a:rPr lang="en-US" altLang="zh-CN" dirty="0"/>
+              <a:t>issues</a:t>
+            </a:r>
+            <a:endParaRPr lang="zh-CN" altLang="en-US" dirty="0"/>
+          </a:p>
+        </p:txBody>
+      </p:sp>
+      <p:sp>
+        <p:nvSpPr>
+          <p:cNvPr id="3" name="Content Placeholder 2">
+            <a:extLst>
+              <a:ext uri="{FF2B5EF4-FFF2-40B4-BE49-F238E27FC236}">
+                <a16:creationId xmlns:a16="http://schemas.microsoft.com/office/drawing/2014/main" id="{EB401A20-52C5-CEC0-08AC-06EA3A3D5358}"/>
+              </a:ext>
+            </a:extLst>
+          </p:cNvPr>
+          <p:cNvSpPr>
+            <a:spLocks noGrp="1"/>
+          </p:cNvSpPr>
+          <p:nvPr>
+            <p:ph idx="1"/>
+          </p:nvPr>
+        </p:nvSpPr>
+        <p:spPr/>
+        <p:txBody>
+          <a:bodyPr/>
+          <a:lstStyle/>
+          <a:p>
+            <a:r>
+              <a:rPr lang="en-US" altLang="zh-CN" dirty="0"/>
+              <a:t>Offline node graph tools to generate user shader?</a:t>
+            </a:r>
+          </a:p>
+          <a:p>
+            <a:r>
+              <a:rPr lang="en-US" altLang="zh-CN" dirty="0"/>
+              <a:t>BTDF ?</a:t>
+            </a:r>
+          </a:p>
+          <a:p>
+            <a:r>
+              <a:rPr lang="en-US" altLang="zh-CN" dirty="0"/>
+              <a:t>Volume ?</a:t>
+            </a:r>
+          </a:p>
+          <a:p>
+            <a:r>
+              <a:rPr lang="en-US" altLang="zh-CN" dirty="0"/>
+              <a:t>Ray tracing shader ?</a:t>
+            </a:r>
+          </a:p>
+          <a:p>
+            <a:r>
+              <a:rPr lang="en-US" altLang="zh-CN" dirty="0"/>
+              <a:t>Offline or online shader generation?</a:t>
+            </a:r>
+          </a:p>
+          <a:p>
+            <a:r>
+              <a:rPr lang="en-US" altLang="zh-CN" dirty="0"/>
+              <a:t>How many capacity need exposure to user</a:t>
+            </a:r>
+          </a:p>
+          <a:p>
+            <a:endParaRPr lang="zh-CN" altLang="en-US" dirty="0"/>
+          </a:p>
+        </p:txBody>
+      </p:sp>
+    </p:spTree>
+    <p:extLst>
+      <p:ext uri="{BB962C8B-B14F-4D97-AF65-F5344CB8AC3E}">
+        <p14:creationId xmlns:p14="http://schemas.microsoft.com/office/powerpoint/2010/main" val="4061288897"/>
+      </p:ext>
+    </p:extLst>
+  </p:cSld>
+  <p:clrMapOvr>
+    <a:masterClrMapping/>
+  </p:clrMapOvr>
+</p:sld>
+</file>
+
+<file path=ppt/slides/slide31.xml><?xml version="1.0" encoding="utf-8"?>
+<p:sld xmlns:a="http://schemas.openxmlformats.org/drawingml/2006/main" xmlns:r="http://schemas.openxmlformats.org/officeDocument/2006/relationships" xmlns:p="http://schemas.openxmlformats.org/presentationml/2006/main">
+  <p:cSld>
+    <p:spTree>
+      <p:nvGrpSpPr>
+        <p:cNvPr id="1" name=""/>
+        <p:cNvGrpSpPr/>
+        <p:nvPr/>
+      </p:nvGrpSpPr>
+      <p:grpSpPr>
+        <a:xfrm>
+          <a:off x="0" y="0"/>
+          <a:ext cx="0" cy="0"/>
+          <a:chOff x="0" y="0"/>
+          <a:chExt cx="0" cy="0"/>
+        </a:xfrm>
+      </p:grpSpPr>
+      <p:sp>
+        <p:nvSpPr>
+          <p:cNvPr id="2" name="Title 1">
+            <a:extLst>
+              <a:ext uri="{FF2B5EF4-FFF2-40B4-BE49-F238E27FC236}">
+                <a16:creationId xmlns:a16="http://schemas.microsoft.com/office/drawing/2014/main" id="{9FF56B52-0427-2886-9447-5C642EF5AF8B}"/>
+              </a:ext>
+            </a:extLst>
+          </p:cNvPr>
+          <p:cNvSpPr>
+            <a:spLocks noGrp="1"/>
+          </p:cNvSpPr>
+          <p:nvPr>
+            <p:ph type="title"/>
+          </p:nvPr>
+        </p:nvSpPr>
+        <p:spPr/>
+        <p:txBody>
+          <a:bodyPr/>
+          <a:lstStyle/>
+          <a:p>
+            <a:r>
+              <a:rPr lang="en-US" altLang="zh-CN" dirty="0"/>
+              <a:t>Further reading</a:t>
+            </a:r>
+            <a:endParaRPr lang="zh-CN" altLang="en-US" dirty="0"/>
+          </a:p>
+        </p:txBody>
+      </p:sp>
+      <p:sp>
+        <p:nvSpPr>
+          <p:cNvPr id="3" name="Content Placeholder 2">
+            <a:extLst>
+              <a:ext uri="{FF2B5EF4-FFF2-40B4-BE49-F238E27FC236}">
+                <a16:creationId xmlns:a16="http://schemas.microsoft.com/office/drawing/2014/main" id="{5B25B384-6F5F-D81E-FE35-3085126DA681}"/>
+              </a:ext>
+            </a:extLst>
+          </p:cNvPr>
+          <p:cNvSpPr>
+            <a:spLocks noGrp="1"/>
+          </p:cNvSpPr>
+          <p:nvPr>
+            <p:ph idx="1"/>
+          </p:nvPr>
+        </p:nvSpPr>
+        <p:spPr/>
+        <p:txBody>
+          <a:bodyPr/>
+          <a:lstStyle/>
+          <a:p>
+            <a:r>
+              <a:rPr lang="en-US" altLang="zh-CN" dirty="0"/>
+              <a:t>Pixar </a:t>
+            </a:r>
+            <a:r>
+              <a:rPr lang="en-US" altLang="zh-CN" dirty="0" err="1"/>
+              <a:t>OpenUSD</a:t>
+            </a:r>
+            <a:r>
+              <a:rPr lang="en-US" altLang="zh-CN" dirty="0"/>
+              <a:t> file format of material define</a:t>
+            </a:r>
+          </a:p>
+          <a:p>
+            <a:r>
+              <a:rPr lang="en-US" altLang="zh-CN" dirty="0"/>
+              <a:t>Nvidia material define language</a:t>
+            </a:r>
+          </a:p>
+          <a:p>
+            <a:r>
+              <a:rPr lang="en-US" altLang="zh-CN" dirty="0" err="1"/>
+              <a:t>glTF</a:t>
+            </a:r>
+            <a:r>
+              <a:rPr lang="en-US" altLang="zh-CN" dirty="0"/>
+              <a:t> material and extensions</a:t>
+            </a:r>
+          </a:p>
+          <a:p>
+            <a:r>
+              <a:rPr lang="en-US" altLang="zh-CN" dirty="0" err="1"/>
+              <a:t>MaterialX</a:t>
+            </a:r>
+            <a:r>
+              <a:rPr lang="en-US" altLang="zh-CN" dirty="0"/>
+              <a:t> lib</a:t>
+            </a:r>
+          </a:p>
+          <a:p>
+            <a:r>
+              <a:rPr lang="en-US" altLang="zh-CN" dirty="0"/>
+              <a:t>Unreal shader graph tools</a:t>
+            </a:r>
+            <a:endParaRPr lang="zh-CN" altLang="en-US" dirty="0"/>
+          </a:p>
+        </p:txBody>
+      </p:sp>
+    </p:spTree>
+    <p:extLst>
+      <p:ext uri="{BB962C8B-B14F-4D97-AF65-F5344CB8AC3E}">
+        <p14:creationId xmlns:p14="http://schemas.microsoft.com/office/powerpoint/2010/main" val="1648436074"/>
+      </p:ext>
+    </p:extLst>
+  </p:cSld>
+  <p:clrMapOvr>
+    <a:masterClrMapping/>
+  </p:clrMapOvr>
+</p:sld>
+</file>
+
 <file path=ppt/slides/slide4.xml><?xml version="1.0" encoding="utf-8"?>
 <p:sld xmlns:a="http://schemas.openxmlformats.org/drawingml/2006/main" xmlns:r="http://schemas.openxmlformats.org/officeDocument/2006/relationships" xmlns:p="http://schemas.openxmlformats.org/presentationml/2006/main">
   <p:cSld>
